--- a/2022-02 ONETUG Pulumi/CRUD Your Cloud Presentation.pptx
+++ b/2022-02 ONETUG Pulumi/CRUD Your Cloud Presentation.pptx
@@ -147,991 +147,6 @@
 <file path=ppt/changesInfos/changesInfo1.xml><?xml version="1.0" encoding="utf-8"?>
 <pc:chgInfo xmlns:a="http://schemas.openxmlformats.org/drawingml/2006/main" xmlns:r="http://schemas.openxmlformats.org/officeDocument/2006/relationships" xmlns:ac="http://schemas.microsoft.com/office/drawing/2013/main/command" xmlns:pc="http://schemas.microsoft.com/office/powerpoint/2013/main/command">
   <pc:docChgLst>
-    <pc:chgData name="Al Rodriguez" userId="b48bf10617e0a040" providerId="Windows Live" clId="Web-{581F9E22-72DB-4A8B-A1B5-003466C0086A}"/>
-    <pc:docChg chg="addSld modSld">
-      <pc:chgData name="Al Rodriguez" userId="b48bf10617e0a040" providerId="Windows Live" clId="Web-{581F9E22-72DB-4A8B-A1B5-003466C0086A}" dt="2022-01-29T17:13:51.924" v="1" actId="20577"/>
-      <pc:docMkLst>
-        <pc:docMk/>
-      </pc:docMkLst>
-      <pc:sldChg chg="modSp new">
-        <pc:chgData name="Al Rodriguez" userId="b48bf10617e0a040" providerId="Windows Live" clId="Web-{581F9E22-72DB-4A8B-A1B5-003466C0086A}" dt="2022-01-29T17:13:51.924" v="1" actId="20577"/>
-        <pc:sldMkLst>
-          <pc:docMk/>
-          <pc:sldMk cId="1438276001" sldId="287"/>
-        </pc:sldMkLst>
-        <pc:spChg chg="mod">
-          <ac:chgData name="Al Rodriguez" userId="b48bf10617e0a040" providerId="Windows Live" clId="Web-{581F9E22-72DB-4A8B-A1B5-003466C0086A}" dt="2022-01-29T17:13:51.924" v="1" actId="20577"/>
-          <ac:spMkLst>
-            <pc:docMk/>
-            <pc:sldMk cId="1438276001" sldId="287"/>
-            <ac:spMk id="2" creationId="{4B7FA174-29F3-437B-8199-DB776A3DC753}"/>
-          </ac:spMkLst>
-        </pc:spChg>
-      </pc:sldChg>
-    </pc:docChg>
-  </pc:docChgLst>
-  <pc:docChgLst>
-    <pc:chgData name="Al Rodriguez" userId="b48bf10617e0a040" providerId="Windows Live" clId="Web-{A61528CF-9BCB-4701-87F8-C08FA5489D66}"/>
-    <pc:docChg chg="addSld modSld">
-      <pc:chgData name="Al Rodriguez" userId="b48bf10617e0a040" providerId="Windows Live" clId="Web-{A61528CF-9BCB-4701-87F8-C08FA5489D66}" dt="2022-01-12T01:26:43.107" v="102" actId="20577"/>
-      <pc:docMkLst>
-        <pc:docMk/>
-      </pc:docMkLst>
-      <pc:sldChg chg="modSp">
-        <pc:chgData name="Al Rodriguez" userId="b48bf10617e0a040" providerId="Windows Live" clId="Web-{A61528CF-9BCB-4701-87F8-C08FA5489D66}" dt="2022-01-12T01:26:43.107" v="102" actId="20577"/>
-        <pc:sldMkLst>
-          <pc:docMk/>
-          <pc:sldMk cId="1144451087" sldId="262"/>
-        </pc:sldMkLst>
-        <pc:spChg chg="mod">
-          <ac:chgData name="Al Rodriguez" userId="b48bf10617e0a040" providerId="Windows Live" clId="Web-{A61528CF-9BCB-4701-87F8-C08FA5489D66}" dt="2022-01-12T01:26:43.107" v="102" actId="20577"/>
-          <ac:spMkLst>
-            <pc:docMk/>
-            <pc:sldMk cId="1144451087" sldId="262"/>
-            <ac:spMk id="3" creationId="{92899C1C-0A69-453D-B185-5C28285C43FC}"/>
-          </ac:spMkLst>
-        </pc:spChg>
-      </pc:sldChg>
-      <pc:sldChg chg="modSp">
-        <pc:chgData name="Al Rodriguez" userId="b48bf10617e0a040" providerId="Windows Live" clId="Web-{A61528CF-9BCB-4701-87F8-C08FA5489D66}" dt="2022-01-12T01:23:38.796" v="26" actId="20577"/>
-        <pc:sldMkLst>
-          <pc:docMk/>
-          <pc:sldMk cId="1514649996" sldId="264"/>
-        </pc:sldMkLst>
-        <pc:spChg chg="mod">
-          <ac:chgData name="Al Rodriguez" userId="b48bf10617e0a040" providerId="Windows Live" clId="Web-{A61528CF-9BCB-4701-87F8-C08FA5489D66}" dt="2022-01-12T01:23:38.796" v="26" actId="20577"/>
-          <ac:spMkLst>
-            <pc:docMk/>
-            <pc:sldMk cId="1514649996" sldId="264"/>
-            <ac:spMk id="3" creationId="{C082AE43-A2DF-4C60-82B3-CB2639F256FB}"/>
-          </ac:spMkLst>
-        </pc:spChg>
-      </pc:sldChg>
-      <pc:sldChg chg="modSp new">
-        <pc:chgData name="Al Rodriguez" userId="b48bf10617e0a040" providerId="Windows Live" clId="Web-{A61528CF-9BCB-4701-87F8-C08FA5489D66}" dt="2022-01-12T01:25:57.398" v="70" actId="20577"/>
-        <pc:sldMkLst>
-          <pc:docMk/>
-          <pc:sldMk cId="2433014943" sldId="265"/>
-        </pc:sldMkLst>
-        <pc:spChg chg="mod">
-          <ac:chgData name="Al Rodriguez" userId="b48bf10617e0a040" providerId="Windows Live" clId="Web-{A61528CF-9BCB-4701-87F8-C08FA5489D66}" dt="2022-01-12T01:23:46.374" v="30" actId="20577"/>
-          <ac:spMkLst>
-            <pc:docMk/>
-            <pc:sldMk cId="2433014943" sldId="265"/>
-            <ac:spMk id="2" creationId="{6DE51BC8-5D3F-4EA0-95D1-00DCBF894637}"/>
-          </ac:spMkLst>
-        </pc:spChg>
-        <pc:spChg chg="mod">
-          <ac:chgData name="Al Rodriguez" userId="b48bf10617e0a040" providerId="Windows Live" clId="Web-{A61528CF-9BCB-4701-87F8-C08FA5489D66}" dt="2022-01-12T01:25:57.398" v="70" actId="20577"/>
-          <ac:spMkLst>
-            <pc:docMk/>
-            <pc:sldMk cId="2433014943" sldId="265"/>
-            <ac:spMk id="3" creationId="{320E5F14-B740-4F3C-9A13-2E860DCE072B}"/>
-          </ac:spMkLst>
-        </pc:spChg>
-      </pc:sldChg>
-    </pc:docChg>
-  </pc:docChgLst>
-  <pc:docChgLst>
-    <pc:chgData name="Al Rodriguez" userId="b48bf10617e0a040" providerId="Windows Live" clId="Web-{6095A30F-77EB-4C10-AF41-5C91F6FDB0DF}"/>
-    <pc:docChg chg="addSld modSld">
-      <pc:chgData name="Al Rodriguez" userId="b48bf10617e0a040" providerId="Windows Live" clId="Web-{6095A30F-77EB-4C10-AF41-5C91F6FDB0DF}" dt="2022-01-23T22:38:11.993" v="168" actId="20577"/>
-      <pc:docMkLst>
-        <pc:docMk/>
-      </pc:docMkLst>
-      <pc:sldChg chg="modSp">
-        <pc:chgData name="Al Rodriguez" userId="b48bf10617e0a040" providerId="Windows Live" clId="Web-{6095A30F-77EB-4C10-AF41-5C91F6FDB0DF}" dt="2022-01-23T22:38:11.993" v="168" actId="20577"/>
-        <pc:sldMkLst>
-          <pc:docMk/>
-          <pc:sldMk cId="2981593132" sldId="272"/>
-        </pc:sldMkLst>
-        <pc:spChg chg="mod">
-          <ac:chgData name="Al Rodriguez" userId="b48bf10617e0a040" providerId="Windows Live" clId="Web-{6095A30F-77EB-4C10-AF41-5C91F6FDB0DF}" dt="2022-01-23T22:34:23.580" v="121" actId="20577"/>
-          <ac:spMkLst>
-            <pc:docMk/>
-            <pc:sldMk cId="2981593132" sldId="272"/>
-            <ac:spMk id="2" creationId="{F90F67EB-1005-4DE6-BB2A-35B00B99C88C}"/>
-          </ac:spMkLst>
-        </pc:spChg>
-        <pc:spChg chg="mod">
-          <ac:chgData name="Al Rodriguez" userId="b48bf10617e0a040" providerId="Windows Live" clId="Web-{6095A30F-77EB-4C10-AF41-5C91F6FDB0DF}" dt="2022-01-23T22:38:11.993" v="168" actId="20577"/>
-          <ac:spMkLst>
-            <pc:docMk/>
-            <pc:sldMk cId="2981593132" sldId="272"/>
-            <ac:spMk id="3" creationId="{ABCFDFC0-3B9D-45E2-8590-44185EA2DC4B}"/>
-          </ac:spMkLst>
-        </pc:spChg>
-      </pc:sldChg>
-      <pc:sldChg chg="modSp">
-        <pc:chgData name="Al Rodriguez" userId="b48bf10617e0a040" providerId="Windows Live" clId="Web-{6095A30F-77EB-4C10-AF41-5C91F6FDB0DF}" dt="2022-01-22T18:30:54.581" v="5" actId="20577"/>
-        <pc:sldMkLst>
-          <pc:docMk/>
-          <pc:sldMk cId="180141539" sldId="273"/>
-        </pc:sldMkLst>
-        <pc:spChg chg="mod">
-          <ac:chgData name="Al Rodriguez" userId="b48bf10617e0a040" providerId="Windows Live" clId="Web-{6095A30F-77EB-4C10-AF41-5C91F6FDB0DF}" dt="2022-01-22T18:30:54.581" v="5" actId="20577"/>
-          <ac:spMkLst>
-            <pc:docMk/>
-            <pc:sldMk cId="180141539" sldId="273"/>
-            <ac:spMk id="2" creationId="{CD11E7AE-4D03-43B7-9A8C-E4A1E5A7D12E}"/>
-          </ac:spMkLst>
-        </pc:spChg>
-      </pc:sldChg>
-      <pc:sldChg chg="modSp">
-        <pc:chgData name="Al Rodriguez" userId="b48bf10617e0a040" providerId="Windows Live" clId="Web-{6095A30F-77EB-4C10-AF41-5C91F6FDB0DF}" dt="2022-01-23T22:33:35.407" v="93" actId="20577"/>
-        <pc:sldMkLst>
-          <pc:docMk/>
-          <pc:sldMk cId="2018038834" sldId="275"/>
-        </pc:sldMkLst>
-        <pc:spChg chg="mod">
-          <ac:chgData name="Al Rodriguez" userId="b48bf10617e0a040" providerId="Windows Live" clId="Web-{6095A30F-77EB-4C10-AF41-5C91F6FDB0DF}" dt="2022-01-23T22:33:35.407" v="93" actId="20577"/>
-          <ac:spMkLst>
-            <pc:docMk/>
-            <pc:sldMk cId="2018038834" sldId="275"/>
-            <ac:spMk id="2" creationId="{F37A148A-689A-4D1B-B57B-049F95DC5352}"/>
-          </ac:spMkLst>
-        </pc:spChg>
-      </pc:sldChg>
-      <pc:sldChg chg="modSp">
-        <pc:chgData name="Al Rodriguez" userId="b48bf10617e0a040" providerId="Windows Live" clId="Web-{6095A30F-77EB-4C10-AF41-5C91F6FDB0DF}" dt="2022-01-23T22:33:48.860" v="102" actId="20577"/>
-        <pc:sldMkLst>
-          <pc:docMk/>
-          <pc:sldMk cId="2951701272" sldId="276"/>
-        </pc:sldMkLst>
-        <pc:spChg chg="mod">
-          <ac:chgData name="Al Rodriguez" userId="b48bf10617e0a040" providerId="Windows Live" clId="Web-{6095A30F-77EB-4C10-AF41-5C91F6FDB0DF}" dt="2022-01-23T22:33:42.407" v="94" actId="20577"/>
-          <ac:spMkLst>
-            <pc:docMk/>
-            <pc:sldMk cId="2951701272" sldId="276"/>
-            <ac:spMk id="2" creationId="{1F6990E4-B55A-44BB-812F-948110E48E2C}"/>
-          </ac:spMkLst>
-        </pc:spChg>
-        <pc:spChg chg="mod">
-          <ac:chgData name="Al Rodriguez" userId="b48bf10617e0a040" providerId="Windows Live" clId="Web-{6095A30F-77EB-4C10-AF41-5C91F6FDB0DF}" dt="2022-01-23T22:33:48.860" v="102" actId="20577"/>
-          <ac:spMkLst>
-            <pc:docMk/>
-            <pc:sldMk cId="2951701272" sldId="276"/>
-            <ac:spMk id="3" creationId="{C4215916-D342-4AAE-BADF-932C47C4F3FD}"/>
-          </ac:spMkLst>
-        </pc:spChg>
-      </pc:sldChg>
-      <pc:sldChg chg="modSp new">
-        <pc:chgData name="Al Rodriguez" userId="b48bf10617e0a040" providerId="Windows Live" clId="Web-{6095A30F-77EB-4C10-AF41-5C91F6FDB0DF}" dt="2022-01-23T22:33:32.828" v="90" actId="20577"/>
-        <pc:sldMkLst>
-          <pc:docMk/>
-          <pc:sldMk cId="1300823807" sldId="278"/>
-        </pc:sldMkLst>
-        <pc:spChg chg="mod">
-          <ac:chgData name="Al Rodriguez" userId="b48bf10617e0a040" providerId="Windows Live" clId="Web-{6095A30F-77EB-4C10-AF41-5C91F6FDB0DF}" dt="2022-01-22T18:30:59.972" v="15" actId="20577"/>
-          <ac:spMkLst>
-            <pc:docMk/>
-            <pc:sldMk cId="1300823807" sldId="278"/>
-            <ac:spMk id="2" creationId="{AC507FC6-ED54-42BE-B5F9-86CE144931C1}"/>
-          </ac:spMkLst>
-        </pc:spChg>
-        <pc:spChg chg="mod">
-          <ac:chgData name="Al Rodriguez" userId="b48bf10617e0a040" providerId="Windows Live" clId="Web-{6095A30F-77EB-4C10-AF41-5C91F6FDB0DF}" dt="2022-01-23T22:33:32.828" v="90" actId="20577"/>
-          <ac:spMkLst>
-            <pc:docMk/>
-            <pc:sldMk cId="1300823807" sldId="278"/>
-            <ac:spMk id="3" creationId="{2135A546-AAA5-4C55-AA30-79A46F2A2053}"/>
-          </ac:spMkLst>
-        </pc:spChg>
-      </pc:sldChg>
-      <pc:sldChg chg="modSp new">
-        <pc:chgData name="Al Rodriguez" userId="b48bf10617e0a040" providerId="Windows Live" clId="Web-{6095A30F-77EB-4C10-AF41-5C91F6FDB0DF}" dt="2022-01-23T22:34:17.939" v="111" actId="20577"/>
-        <pc:sldMkLst>
-          <pc:docMk/>
-          <pc:sldMk cId="468657460" sldId="279"/>
-        </pc:sldMkLst>
-        <pc:spChg chg="mod">
-          <ac:chgData name="Al Rodriguez" userId="b48bf10617e0a040" providerId="Windows Live" clId="Web-{6095A30F-77EB-4C10-AF41-5C91F6FDB0DF}" dt="2022-01-23T22:34:17.939" v="111" actId="20577"/>
-          <ac:spMkLst>
-            <pc:docMk/>
-            <pc:sldMk cId="468657460" sldId="279"/>
-            <ac:spMk id="2" creationId="{751BE15A-7542-45F6-A21C-2EA7222C1E42}"/>
-          </ac:spMkLst>
-        </pc:spChg>
-      </pc:sldChg>
-    </pc:docChg>
-  </pc:docChgLst>
-  <pc:docChgLst>
-    <pc:chgData name="Al Rodriguez" userId="b48bf10617e0a040" providerId="Windows Live" clId="Web-{92D567F2-E0F6-4B65-BBE4-A5B35966932F}"/>
-    <pc:docChg chg="addSld modSld sldOrd">
-      <pc:chgData name="Al Rodriguez" userId="b48bf10617e0a040" providerId="Windows Live" clId="Web-{92D567F2-E0F6-4B65-BBE4-A5B35966932F}" dt="2022-01-19T03:02:19.861" v="459" actId="20577"/>
-      <pc:docMkLst>
-        <pc:docMk/>
-      </pc:docMkLst>
-      <pc:sldChg chg="modSp ord">
-        <pc:chgData name="Al Rodriguez" userId="b48bf10617e0a040" providerId="Windows Live" clId="Web-{92D567F2-E0F6-4B65-BBE4-A5B35966932F}" dt="2022-01-19T02:27:22.786" v="317" actId="20577"/>
-        <pc:sldMkLst>
-          <pc:docMk/>
-          <pc:sldMk cId="3707992756" sldId="259"/>
-        </pc:sldMkLst>
-        <pc:spChg chg="mod">
-          <ac:chgData name="Al Rodriguez" userId="b48bf10617e0a040" providerId="Windows Live" clId="Web-{92D567F2-E0F6-4B65-BBE4-A5B35966932F}" dt="2022-01-19T02:27:22.786" v="317" actId="20577"/>
-          <ac:spMkLst>
-            <pc:docMk/>
-            <pc:sldMk cId="3707992756" sldId="259"/>
-            <ac:spMk id="3" creationId="{888F617A-B863-4C0A-A922-C77ACDFE9D6E}"/>
-          </ac:spMkLst>
-        </pc:spChg>
-      </pc:sldChg>
-      <pc:sldChg chg="ord">
-        <pc:chgData name="Al Rodriguez" userId="b48bf10617e0a040" providerId="Windows Live" clId="Web-{92D567F2-E0F6-4B65-BBE4-A5B35966932F}" dt="2022-01-19T01:26:05.698" v="63"/>
-        <pc:sldMkLst>
-          <pc:docMk/>
-          <pc:sldMk cId="254804805" sldId="260"/>
-        </pc:sldMkLst>
-      </pc:sldChg>
-      <pc:sldChg chg="modSp">
-        <pc:chgData name="Al Rodriguez" userId="b48bf10617e0a040" providerId="Windows Live" clId="Web-{92D567F2-E0F6-4B65-BBE4-A5B35966932F}" dt="2022-01-19T01:46:10.576" v="115" actId="20577"/>
-        <pc:sldMkLst>
-          <pc:docMk/>
-          <pc:sldMk cId="3706084868" sldId="263"/>
-        </pc:sldMkLst>
-        <pc:spChg chg="mod">
-          <ac:chgData name="Al Rodriguez" userId="b48bf10617e0a040" providerId="Windows Live" clId="Web-{92D567F2-E0F6-4B65-BBE4-A5B35966932F}" dt="2022-01-19T01:46:10.576" v="115" actId="20577"/>
-          <ac:spMkLst>
-            <pc:docMk/>
-            <pc:sldMk cId="3706084868" sldId="263"/>
-            <ac:spMk id="3" creationId="{EF2C3A82-07A2-4403-B254-47F68AF8D1B3}"/>
-          </ac:spMkLst>
-        </pc:spChg>
-      </pc:sldChg>
-      <pc:sldChg chg="addSp modSp new mod setBg">
-        <pc:chgData name="Al Rodriguez" userId="b48bf10617e0a040" providerId="Windows Live" clId="Web-{92D567F2-E0F6-4B65-BBE4-A5B35966932F}" dt="2022-01-19T01:53:14.884" v="199" actId="20577"/>
-        <pc:sldMkLst>
-          <pc:docMk/>
-          <pc:sldMk cId="1849650219" sldId="268"/>
-        </pc:sldMkLst>
-        <pc:spChg chg="mod">
-          <ac:chgData name="Al Rodriguez" userId="b48bf10617e0a040" providerId="Windows Live" clId="Web-{92D567F2-E0F6-4B65-BBE4-A5B35966932F}" dt="2022-01-19T01:53:14.884" v="199" actId="20577"/>
-          <ac:spMkLst>
-            <pc:docMk/>
-            <pc:sldMk cId="1849650219" sldId="268"/>
-            <ac:spMk id="2" creationId="{8C38CB9A-C21B-42F6-B3C6-6CD046B58DC4}"/>
-          </ac:spMkLst>
-        </pc:spChg>
-        <pc:spChg chg="mod">
-          <ac:chgData name="Al Rodriguez" userId="b48bf10617e0a040" providerId="Windows Live" clId="Web-{92D567F2-E0F6-4B65-BBE4-A5B35966932F}" dt="2022-01-19T01:41:05.927" v="96" actId="20577"/>
-          <ac:spMkLst>
-            <pc:docMk/>
-            <pc:sldMk cId="1849650219" sldId="268"/>
-            <ac:spMk id="3" creationId="{EFF0902F-F7B9-4AE6-B686-7EC9973C0C6D}"/>
-          </ac:spMkLst>
-        </pc:spChg>
-        <pc:spChg chg="add">
-          <ac:chgData name="Al Rodriguez" userId="b48bf10617e0a040" providerId="Windows Live" clId="Web-{92D567F2-E0F6-4B65-BBE4-A5B35966932F}" dt="2022-01-19T01:22:02.081" v="34"/>
-          <ac:spMkLst>
-            <pc:docMk/>
-            <pc:sldMk cId="1849650219" sldId="268"/>
-            <ac:spMk id="9" creationId="{2B566528-1B12-4246-9431-5C2D7D081168}"/>
-          </ac:spMkLst>
-        </pc:spChg>
-        <pc:grpChg chg="add">
-          <ac:chgData name="Al Rodriguez" userId="b48bf10617e0a040" providerId="Windows Live" clId="Web-{92D567F2-E0F6-4B65-BBE4-A5B35966932F}" dt="2022-01-19T01:22:02.081" v="34"/>
-          <ac:grpSpMkLst>
-            <pc:docMk/>
-            <pc:sldMk cId="1849650219" sldId="268"/>
-            <ac:grpSpMk id="11" creationId="{828A5161-06F1-46CF-8AD7-844680A59E13}"/>
-          </ac:grpSpMkLst>
-        </pc:grpChg>
-        <pc:grpChg chg="add">
-          <ac:chgData name="Al Rodriguez" userId="b48bf10617e0a040" providerId="Windows Live" clId="Web-{92D567F2-E0F6-4B65-BBE4-A5B35966932F}" dt="2022-01-19T01:22:02.081" v="34"/>
-          <ac:grpSpMkLst>
-            <pc:docMk/>
-            <pc:sldMk cId="1849650219" sldId="268"/>
-            <ac:grpSpMk id="15" creationId="{5995D10D-E9C9-47DB-AE7E-801FEF38F5C9}"/>
-          </ac:grpSpMkLst>
-        </pc:grpChg>
-        <pc:picChg chg="add mod">
-          <ac:chgData name="Al Rodriguez" userId="b48bf10617e0a040" providerId="Windows Live" clId="Web-{92D567F2-E0F6-4B65-BBE4-A5B35966932F}" dt="2022-01-19T01:22:02.081" v="34"/>
-          <ac:picMkLst>
-            <pc:docMk/>
-            <pc:sldMk cId="1849650219" sldId="268"/>
-            <ac:picMk id="4" creationId="{4413E16F-1901-4092-8AF2-9BB0EEACFEE9}"/>
-          </ac:picMkLst>
-        </pc:picChg>
-      </pc:sldChg>
-      <pc:sldChg chg="modSp new ord">
-        <pc:chgData name="Al Rodriguez" userId="b48bf10617e0a040" providerId="Windows Live" clId="Web-{92D567F2-E0F6-4B65-BBE4-A5B35966932F}" dt="2022-01-19T01:53:39.150" v="224" actId="20577"/>
-        <pc:sldMkLst>
-          <pc:docMk/>
-          <pc:sldMk cId="3424146734" sldId="269"/>
-        </pc:sldMkLst>
-        <pc:spChg chg="mod">
-          <ac:chgData name="Al Rodriguez" userId="b48bf10617e0a040" providerId="Windows Live" clId="Web-{92D567F2-E0F6-4B65-BBE4-A5B35966932F}" dt="2022-01-19T01:49:23.253" v="134" actId="20577"/>
-          <ac:spMkLst>
-            <pc:docMk/>
-            <pc:sldMk cId="3424146734" sldId="269"/>
-            <ac:spMk id="2" creationId="{14B7BC6A-6808-4222-82C8-87E4352A29C1}"/>
-          </ac:spMkLst>
-        </pc:spChg>
-        <pc:spChg chg="mod">
-          <ac:chgData name="Al Rodriguez" userId="b48bf10617e0a040" providerId="Windows Live" clId="Web-{92D567F2-E0F6-4B65-BBE4-A5B35966932F}" dt="2022-01-19T01:53:39.150" v="224" actId="20577"/>
-          <ac:spMkLst>
-            <pc:docMk/>
-            <pc:sldMk cId="3424146734" sldId="269"/>
-            <ac:spMk id="3" creationId="{1E8D6FD6-F9F4-4D2D-8B72-E5F94803EFCD}"/>
-          </ac:spMkLst>
-        </pc:spChg>
-      </pc:sldChg>
-      <pc:sldChg chg="modSp new">
-        <pc:chgData name="Al Rodriguez" userId="b48bf10617e0a040" providerId="Windows Live" clId="Web-{92D567F2-E0F6-4B65-BBE4-A5B35966932F}" dt="2022-01-19T02:56:51.555" v="426" actId="20577"/>
-        <pc:sldMkLst>
-          <pc:docMk/>
-          <pc:sldMk cId="3471260418" sldId="270"/>
-        </pc:sldMkLst>
-        <pc:spChg chg="mod">
-          <ac:chgData name="Al Rodriguez" userId="b48bf10617e0a040" providerId="Windows Live" clId="Web-{92D567F2-E0F6-4B65-BBE4-A5B35966932F}" dt="2022-01-19T02:46:21.335" v="384" actId="20577"/>
-          <ac:spMkLst>
-            <pc:docMk/>
-            <pc:sldMk cId="3471260418" sldId="270"/>
-            <ac:spMk id="2" creationId="{5369EA68-26A9-466B-95A9-20222ACC407A}"/>
-          </ac:spMkLst>
-        </pc:spChg>
-        <pc:spChg chg="mod">
-          <ac:chgData name="Al Rodriguez" userId="b48bf10617e0a040" providerId="Windows Live" clId="Web-{92D567F2-E0F6-4B65-BBE4-A5B35966932F}" dt="2022-01-19T02:56:51.555" v="426" actId="20577"/>
-          <ac:spMkLst>
-            <pc:docMk/>
-            <pc:sldMk cId="3471260418" sldId="270"/>
-            <ac:spMk id="3" creationId="{2F4AD995-5673-4C25-AE20-F46079D47E7C}"/>
-          </ac:spMkLst>
-        </pc:spChg>
-      </pc:sldChg>
-      <pc:sldChg chg="new">
-        <pc:chgData name="Al Rodriguez" userId="b48bf10617e0a040" providerId="Windows Live" clId="Web-{92D567F2-E0F6-4B65-BBE4-A5B35966932F}" dt="2022-01-19T01:11:31.033" v="3"/>
-        <pc:sldMkLst>
-          <pc:docMk/>
-          <pc:sldMk cId="3104219159" sldId="271"/>
-        </pc:sldMkLst>
-      </pc:sldChg>
-      <pc:sldChg chg="new">
-        <pc:chgData name="Al Rodriguez" userId="b48bf10617e0a040" providerId="Windows Live" clId="Web-{92D567F2-E0F6-4B65-BBE4-A5B35966932F}" dt="2022-01-19T01:11:31.330" v="4"/>
-        <pc:sldMkLst>
-          <pc:docMk/>
-          <pc:sldMk cId="2981593132" sldId="272"/>
-        </pc:sldMkLst>
-      </pc:sldChg>
-      <pc:sldChg chg="modSp new">
-        <pc:chgData name="Al Rodriguez" userId="b48bf10617e0a040" providerId="Windows Live" clId="Web-{92D567F2-E0F6-4B65-BBE4-A5B35966932F}" dt="2022-01-19T02:46:18.897" v="383" actId="20577"/>
-        <pc:sldMkLst>
-          <pc:docMk/>
-          <pc:sldMk cId="180141539" sldId="273"/>
-        </pc:sldMkLst>
-        <pc:spChg chg="mod">
-          <ac:chgData name="Al Rodriguez" userId="b48bf10617e0a040" providerId="Windows Live" clId="Web-{92D567F2-E0F6-4B65-BBE4-A5B35966932F}" dt="2022-01-19T02:35:51.239" v="330" actId="20577"/>
-          <ac:spMkLst>
-            <pc:docMk/>
-            <pc:sldMk cId="180141539" sldId="273"/>
-            <ac:spMk id="2" creationId="{CD11E7AE-4D03-43B7-9A8C-E4A1E5A7D12E}"/>
-          </ac:spMkLst>
-        </pc:spChg>
-        <pc:spChg chg="mod">
-          <ac:chgData name="Al Rodriguez" userId="b48bf10617e0a040" providerId="Windows Live" clId="Web-{92D567F2-E0F6-4B65-BBE4-A5B35966932F}" dt="2022-01-19T02:46:18.897" v="383" actId="20577"/>
-          <ac:spMkLst>
-            <pc:docMk/>
-            <pc:sldMk cId="180141539" sldId="273"/>
-            <ac:spMk id="3" creationId="{EC7E6CD4-4CBE-4AE9-9D95-E53761BC3CFB}"/>
-          </ac:spMkLst>
-        </pc:spChg>
-      </pc:sldChg>
-      <pc:sldChg chg="new">
-        <pc:chgData name="Al Rodriguez" userId="b48bf10617e0a040" providerId="Windows Live" clId="Web-{92D567F2-E0F6-4B65-BBE4-A5B35966932F}" dt="2022-01-19T02:56:52.805" v="427"/>
-        <pc:sldMkLst>
-          <pc:docMk/>
-          <pc:sldMk cId="2790595157" sldId="274"/>
-        </pc:sldMkLst>
-      </pc:sldChg>
-      <pc:sldChg chg="new">
-        <pc:chgData name="Al Rodriguez" userId="b48bf10617e0a040" providerId="Windows Live" clId="Web-{92D567F2-E0F6-4B65-BBE4-A5B35966932F}" dt="2022-01-19T02:56:53.211" v="428"/>
-        <pc:sldMkLst>
-          <pc:docMk/>
-          <pc:sldMk cId="2018038834" sldId="275"/>
-        </pc:sldMkLst>
-      </pc:sldChg>
-      <pc:sldChg chg="new">
-        <pc:chgData name="Al Rodriguez" userId="b48bf10617e0a040" providerId="Windows Live" clId="Web-{92D567F2-E0F6-4B65-BBE4-A5B35966932F}" dt="2022-01-19T02:56:53.243" v="429"/>
-        <pc:sldMkLst>
-          <pc:docMk/>
-          <pc:sldMk cId="2951701272" sldId="276"/>
-        </pc:sldMkLst>
-      </pc:sldChg>
-      <pc:sldChg chg="modSp new">
-        <pc:chgData name="Al Rodriguez" userId="b48bf10617e0a040" providerId="Windows Live" clId="Web-{92D567F2-E0F6-4B65-BBE4-A5B35966932F}" dt="2022-01-19T03:02:19.861" v="459" actId="20577"/>
-        <pc:sldMkLst>
-          <pc:docMk/>
-          <pc:sldMk cId="4131685222" sldId="277"/>
-        </pc:sldMkLst>
-        <pc:spChg chg="mod">
-          <ac:chgData name="Al Rodriguez" userId="b48bf10617e0a040" providerId="Windows Live" clId="Web-{92D567F2-E0F6-4B65-BBE4-A5B35966932F}" dt="2022-01-19T03:01:40.970" v="435" actId="20577"/>
-          <ac:spMkLst>
-            <pc:docMk/>
-            <pc:sldMk cId="4131685222" sldId="277"/>
-            <ac:spMk id="2" creationId="{BFD388F6-64A4-4B86-B748-B06409B0DF3F}"/>
-          </ac:spMkLst>
-        </pc:spChg>
-        <pc:spChg chg="mod">
-          <ac:chgData name="Al Rodriguez" userId="b48bf10617e0a040" providerId="Windows Live" clId="Web-{92D567F2-E0F6-4B65-BBE4-A5B35966932F}" dt="2022-01-19T03:02:19.861" v="459" actId="20577"/>
-          <ac:spMkLst>
-            <pc:docMk/>
-            <pc:sldMk cId="4131685222" sldId="277"/>
-            <ac:spMk id="3" creationId="{D37A2B9D-25B9-49E8-9B97-97627A2C36CC}"/>
-          </ac:spMkLst>
-        </pc:spChg>
-      </pc:sldChg>
-    </pc:docChg>
-  </pc:docChgLst>
-  <pc:docChgLst>
-    <pc:chgData name="Al Rodriguez" userId="b48bf10617e0a040" providerId="Windows Live" clId="Web-{236E1307-A89A-4F07-A2CF-CE141D3B5FC9}"/>
-    <pc:docChg chg="modSld">
-      <pc:chgData name="Al Rodriguez" userId="b48bf10617e0a040" providerId="Windows Live" clId="Web-{236E1307-A89A-4F07-A2CF-CE141D3B5FC9}" dt="2022-01-23T22:42:51.798" v="85" actId="20577"/>
-      <pc:docMkLst>
-        <pc:docMk/>
-      </pc:docMkLst>
-      <pc:sldChg chg="modSp">
-        <pc:chgData name="Al Rodriguez" userId="b48bf10617e0a040" providerId="Windows Live" clId="Web-{236E1307-A89A-4F07-A2CF-CE141D3B5FC9}" dt="2022-01-23T22:41:11.889" v="23" actId="20577"/>
-        <pc:sldMkLst>
-          <pc:docMk/>
-          <pc:sldMk cId="2981593132" sldId="272"/>
-        </pc:sldMkLst>
-        <pc:spChg chg="mod">
-          <ac:chgData name="Al Rodriguez" userId="b48bf10617e0a040" providerId="Windows Live" clId="Web-{236E1307-A89A-4F07-A2CF-CE141D3B5FC9}" dt="2022-01-23T22:41:11.889" v="23" actId="20577"/>
-          <ac:spMkLst>
-            <pc:docMk/>
-            <pc:sldMk cId="2981593132" sldId="272"/>
-            <ac:spMk id="3" creationId="{ABCFDFC0-3B9D-45E2-8590-44185EA2DC4B}"/>
-          </ac:spMkLst>
-        </pc:spChg>
-      </pc:sldChg>
-      <pc:sldChg chg="addSp delSp modSp mod setBg">
-        <pc:chgData name="Al Rodriguez" userId="b48bf10617e0a040" providerId="Windows Live" clId="Web-{236E1307-A89A-4F07-A2CF-CE141D3B5FC9}" dt="2022-01-23T22:42:31.532" v="82"/>
-        <pc:sldMkLst>
-          <pc:docMk/>
-          <pc:sldMk cId="2018038834" sldId="275"/>
-        </pc:sldMkLst>
-        <pc:spChg chg="mod">
-          <ac:chgData name="Al Rodriguez" userId="b48bf10617e0a040" providerId="Windows Live" clId="Web-{236E1307-A89A-4F07-A2CF-CE141D3B5FC9}" dt="2022-01-23T22:42:31.532" v="82"/>
-          <ac:spMkLst>
-            <pc:docMk/>
-            <pc:sldMk cId="2018038834" sldId="275"/>
-            <ac:spMk id="2" creationId="{F37A148A-689A-4D1B-B57B-049F95DC5352}"/>
-          </ac:spMkLst>
-        </pc:spChg>
-        <pc:spChg chg="del">
-          <ac:chgData name="Al Rodriguez" userId="b48bf10617e0a040" providerId="Windows Live" clId="Web-{236E1307-A89A-4F07-A2CF-CE141D3B5FC9}" dt="2022-01-23T22:41:13.639" v="24"/>
-          <ac:spMkLst>
-            <pc:docMk/>
-            <pc:sldMk cId="2018038834" sldId="275"/>
-            <ac:spMk id="3" creationId="{02561C2C-5EDF-4201-93E2-EFF7DD16DB81}"/>
-          </ac:spMkLst>
-        </pc:spChg>
-        <pc:spChg chg="add del">
-          <ac:chgData name="Al Rodriguez" userId="b48bf10617e0a040" providerId="Windows Live" clId="Web-{236E1307-A89A-4F07-A2CF-CE141D3B5FC9}" dt="2022-01-23T22:41:30.124" v="26"/>
-          <ac:spMkLst>
-            <pc:docMk/>
-            <pc:sldMk cId="2018038834" sldId="275"/>
-            <ac:spMk id="8" creationId="{8C27CB49-E320-4134-95C8-06CA5186D944}"/>
-          </ac:spMkLst>
-        </pc:spChg>
-        <pc:spChg chg="add del">
-          <ac:chgData name="Al Rodriguez" userId="b48bf10617e0a040" providerId="Windows Live" clId="Web-{236E1307-A89A-4F07-A2CF-CE141D3B5FC9}" dt="2022-01-23T22:41:37.609" v="30"/>
-          <ac:spMkLst>
-            <pc:docMk/>
-            <pc:sldMk cId="2018038834" sldId="275"/>
-            <ac:spMk id="9" creationId="{D4771268-CB57-404A-9271-370EB28F6090}"/>
-          </ac:spMkLst>
-        </pc:spChg>
-        <pc:spChg chg="add del">
-          <ac:chgData name="Al Rodriguez" userId="b48bf10617e0a040" providerId="Windows Live" clId="Web-{236E1307-A89A-4F07-A2CF-CE141D3B5FC9}" dt="2022-01-23T22:41:30.124" v="26"/>
-          <ac:spMkLst>
-            <pc:docMk/>
-            <pc:sldMk cId="2018038834" sldId="275"/>
-            <ac:spMk id="11" creationId="{FF9B822F-893E-44C8-963C-64F50ACECBB2}"/>
-          </ac:spMkLst>
-        </pc:spChg>
-        <pc:spChg chg="add del">
-          <ac:chgData name="Al Rodriguez" userId="b48bf10617e0a040" providerId="Windows Live" clId="Web-{236E1307-A89A-4F07-A2CF-CE141D3B5FC9}" dt="2022-01-23T22:42:31.532" v="82"/>
-          <ac:spMkLst>
-            <pc:docMk/>
-            <pc:sldMk cId="2018038834" sldId="275"/>
-            <ac:spMk id="12" creationId="{FF9B822F-893E-44C8-963C-64F50ACECBB2}"/>
-          </ac:spMkLst>
-        </pc:spChg>
-        <pc:spChg chg="add del">
-          <ac:chgData name="Al Rodriguez" userId="b48bf10617e0a040" providerId="Windows Live" clId="Web-{236E1307-A89A-4F07-A2CF-CE141D3B5FC9}" dt="2022-01-23T22:41:30.124" v="26"/>
-          <ac:spMkLst>
-            <pc:docMk/>
-            <pc:sldMk cId="2018038834" sldId="275"/>
-            <ac:spMk id="13" creationId="{EBF87945-A001-489F-9D9B-7D9435F0B9CA}"/>
-          </ac:spMkLst>
-        </pc:spChg>
-        <pc:spChg chg="add del">
-          <ac:chgData name="Al Rodriguez" userId="b48bf10617e0a040" providerId="Windows Live" clId="Web-{236E1307-A89A-4F07-A2CF-CE141D3B5FC9}" dt="2022-01-23T22:42:31.532" v="82"/>
-          <ac:spMkLst>
-            <pc:docMk/>
-            <pc:sldMk cId="2018038834" sldId="275"/>
-            <ac:spMk id="14" creationId="{EBF87945-A001-489F-9D9B-7D9435F0B9CA}"/>
-          </ac:spMkLst>
-        </pc:spChg>
-        <pc:spChg chg="add del">
-          <ac:chgData name="Al Rodriguez" userId="b48bf10617e0a040" providerId="Windows Live" clId="Web-{236E1307-A89A-4F07-A2CF-CE141D3B5FC9}" dt="2022-01-23T22:41:35.233" v="28"/>
-          <ac:spMkLst>
-            <pc:docMk/>
-            <pc:sldMk cId="2018038834" sldId="275"/>
-            <ac:spMk id="15" creationId="{2B97F24A-32CE-4C1C-A50D-3016B394DCFB}"/>
-          </ac:spMkLst>
-        </pc:spChg>
-        <pc:spChg chg="add del">
-          <ac:chgData name="Al Rodriguez" userId="b48bf10617e0a040" providerId="Windows Live" clId="Web-{236E1307-A89A-4F07-A2CF-CE141D3B5FC9}" dt="2022-01-23T22:41:35.233" v="28"/>
-          <ac:spMkLst>
-            <pc:docMk/>
-            <pc:sldMk cId="2018038834" sldId="275"/>
-            <ac:spMk id="16" creationId="{CD8B4F24-440B-49E9-B85D-733523DC064B}"/>
-          </ac:spMkLst>
-        </pc:spChg>
-        <pc:spChg chg="add del">
-          <ac:chgData name="Al Rodriguez" userId="b48bf10617e0a040" providerId="Windows Live" clId="Web-{236E1307-A89A-4F07-A2CF-CE141D3B5FC9}" dt="2022-01-23T22:41:35.233" v="28"/>
-          <ac:spMkLst>
-            <pc:docMk/>
-            <pc:sldMk cId="2018038834" sldId="275"/>
-            <ac:spMk id="17" creationId="{EA06B40C-125C-4D3A-A9CE-DC0991642B79}"/>
-          </ac:spMkLst>
-        </pc:spChg>
-        <pc:spChg chg="add mod">
-          <ac:chgData name="Al Rodriguez" userId="b48bf10617e0a040" providerId="Windows Live" clId="Web-{236E1307-A89A-4F07-A2CF-CE141D3B5FC9}" dt="2022-01-23T22:42:31.532" v="82"/>
-          <ac:spMkLst>
-            <pc:docMk/>
-            <pc:sldMk cId="2018038834" sldId="275"/>
-            <ac:spMk id="18" creationId="{8C27CB49-E320-4134-95C8-06CA5186D944}"/>
-          </ac:spMkLst>
-        </pc:spChg>
-        <pc:spChg chg="add del">
-          <ac:chgData name="Al Rodriguez" userId="b48bf10617e0a040" providerId="Windows Live" clId="Web-{236E1307-A89A-4F07-A2CF-CE141D3B5FC9}" dt="2022-01-23T22:42:25.766" v="77"/>
-          <ac:spMkLst>
-            <pc:docMk/>
-            <pc:sldMk cId="2018038834" sldId="275"/>
-            <ac:spMk id="23" creationId="{C232B152-3720-4D3B-97ED-45CE5483F16F}"/>
-          </ac:spMkLst>
-        </pc:spChg>
-        <pc:spChg chg="add del">
-          <ac:chgData name="Al Rodriguez" userId="b48bf10617e0a040" providerId="Windows Live" clId="Web-{236E1307-A89A-4F07-A2CF-CE141D3B5FC9}" dt="2022-01-23T22:42:25.766" v="77"/>
-          <ac:spMkLst>
-            <pc:docMk/>
-            <pc:sldMk cId="2018038834" sldId="275"/>
-            <ac:spMk id="25" creationId="{11BAB570-FF10-4E96-8A3F-FA9804702B89}"/>
-          </ac:spMkLst>
-        </pc:spChg>
-        <pc:spChg chg="add del">
-          <ac:chgData name="Al Rodriguez" userId="b48bf10617e0a040" providerId="Windows Live" clId="Web-{236E1307-A89A-4F07-A2CF-CE141D3B5FC9}" dt="2022-01-23T22:42:25.766" v="77"/>
-          <ac:spMkLst>
-            <pc:docMk/>
-            <pc:sldMk cId="2018038834" sldId="275"/>
-            <ac:spMk id="27" creationId="{4B9FAFB2-BEB5-4848-8018-BCAD99E2E1AA}"/>
-          </ac:spMkLst>
-        </pc:spChg>
-        <pc:spChg chg="add del">
-          <ac:chgData name="Al Rodriguez" userId="b48bf10617e0a040" providerId="Windows Live" clId="Web-{236E1307-A89A-4F07-A2CF-CE141D3B5FC9}" dt="2022-01-23T22:42:28.126" v="79"/>
-          <ac:spMkLst>
-            <pc:docMk/>
-            <pc:sldMk cId="2018038834" sldId="275"/>
-            <ac:spMk id="29" creationId="{73DE2CFE-42F2-48F0-8706-5264E012B10C}"/>
-          </ac:spMkLst>
-        </pc:spChg>
-        <pc:spChg chg="add del">
-          <ac:chgData name="Al Rodriguez" userId="b48bf10617e0a040" providerId="Windows Live" clId="Web-{236E1307-A89A-4F07-A2CF-CE141D3B5FC9}" dt="2022-01-23T22:42:31.532" v="81"/>
-          <ac:spMkLst>
-            <pc:docMk/>
-            <pc:sldMk cId="2018038834" sldId="275"/>
-            <ac:spMk id="31" creationId="{FF9B822F-893E-44C8-963C-64F50ACECBB2}"/>
-          </ac:spMkLst>
-        </pc:spChg>
-        <pc:spChg chg="add del">
-          <ac:chgData name="Al Rodriguez" userId="b48bf10617e0a040" providerId="Windows Live" clId="Web-{236E1307-A89A-4F07-A2CF-CE141D3B5FC9}" dt="2022-01-23T22:42:31.532" v="81"/>
-          <ac:spMkLst>
-            <pc:docMk/>
-            <pc:sldMk cId="2018038834" sldId="275"/>
-            <ac:spMk id="32" creationId="{EBF87945-A001-489F-9D9B-7D9435F0B9CA}"/>
-          </ac:spMkLst>
-        </pc:spChg>
-        <pc:spChg chg="add">
-          <ac:chgData name="Al Rodriguez" userId="b48bf10617e0a040" providerId="Windows Live" clId="Web-{236E1307-A89A-4F07-A2CF-CE141D3B5FC9}" dt="2022-01-23T22:42:31.532" v="82"/>
-          <ac:spMkLst>
-            <pc:docMk/>
-            <pc:sldMk cId="2018038834" sldId="275"/>
-            <ac:spMk id="34" creationId="{B5FA7C47-B7C1-4D2E-AB49-ED23BA34BA83}"/>
-          </ac:spMkLst>
-        </pc:spChg>
-        <pc:spChg chg="add">
-          <ac:chgData name="Al Rodriguez" userId="b48bf10617e0a040" providerId="Windows Live" clId="Web-{236E1307-A89A-4F07-A2CF-CE141D3B5FC9}" dt="2022-01-23T22:42:31.532" v="82"/>
-          <ac:spMkLst>
-            <pc:docMk/>
-            <pc:sldMk cId="2018038834" sldId="275"/>
-            <ac:spMk id="35" creationId="{596EE156-ABF1-4329-A6BA-03B4254E0877}"/>
-          </ac:spMkLst>
-        </pc:spChg>
-        <pc:spChg chg="add">
-          <ac:chgData name="Al Rodriguez" userId="b48bf10617e0a040" providerId="Windows Live" clId="Web-{236E1307-A89A-4F07-A2CF-CE141D3B5FC9}" dt="2022-01-23T22:42:31.532" v="82"/>
-          <ac:spMkLst>
-            <pc:docMk/>
-            <pc:sldMk cId="2018038834" sldId="275"/>
-            <ac:spMk id="36" creationId="{19B9933F-AAB3-444A-8BB5-9CA194A8BC63}"/>
-          </ac:spMkLst>
-        </pc:spChg>
-        <pc:spChg chg="add">
-          <ac:chgData name="Al Rodriguez" userId="b48bf10617e0a040" providerId="Windows Live" clId="Web-{236E1307-A89A-4F07-A2CF-CE141D3B5FC9}" dt="2022-01-23T22:42:31.532" v="82"/>
-          <ac:spMkLst>
-            <pc:docMk/>
-            <pc:sldMk cId="2018038834" sldId="275"/>
-            <ac:spMk id="37" creationId="{7D20183A-0B1D-4A1F-89B1-ADBEDBC6E54E}"/>
-          </ac:spMkLst>
-        </pc:spChg>
-        <pc:spChg chg="add">
-          <ac:chgData name="Al Rodriguez" userId="b48bf10617e0a040" providerId="Windows Live" clId="Web-{236E1307-A89A-4F07-A2CF-CE141D3B5FC9}" dt="2022-01-23T22:42:31.532" v="82"/>
-          <ac:spMkLst>
-            <pc:docMk/>
-            <pc:sldMk cId="2018038834" sldId="275"/>
-            <ac:spMk id="38" creationId="{131031D3-26CD-4214-A9A4-5857EFA15A0C}"/>
-          </ac:spMkLst>
-        </pc:spChg>
-        <pc:picChg chg="add mod ord">
-          <ac:chgData name="Al Rodriguez" userId="b48bf10617e0a040" providerId="Windows Live" clId="Web-{236E1307-A89A-4F07-A2CF-CE141D3B5FC9}" dt="2022-01-23T22:42:31.532" v="82"/>
-          <ac:picMkLst>
-            <pc:docMk/>
-            <pc:sldMk cId="2018038834" sldId="275"/>
-            <ac:picMk id="4" creationId="{10DEC90C-3E5D-4F0E-839A-06247B691FCE}"/>
-          </ac:picMkLst>
-        </pc:picChg>
-      </pc:sldChg>
-      <pc:sldChg chg="modSp">
-        <pc:chgData name="Al Rodriguez" userId="b48bf10617e0a040" providerId="Windows Live" clId="Web-{236E1307-A89A-4F07-A2CF-CE141D3B5FC9}" dt="2022-01-23T22:42:51.798" v="85" actId="20577"/>
-        <pc:sldMkLst>
-          <pc:docMk/>
-          <pc:sldMk cId="468657460" sldId="279"/>
-        </pc:sldMkLst>
-        <pc:spChg chg="mod">
-          <ac:chgData name="Al Rodriguez" userId="b48bf10617e0a040" providerId="Windows Live" clId="Web-{236E1307-A89A-4F07-A2CF-CE141D3B5FC9}" dt="2022-01-23T22:42:51.798" v="85" actId="20577"/>
-          <ac:spMkLst>
-            <pc:docMk/>
-            <pc:sldMk cId="468657460" sldId="279"/>
-            <ac:spMk id="3" creationId="{130F00FD-2381-4F19-AB9F-EDB5D4C28071}"/>
-          </ac:spMkLst>
-        </pc:spChg>
-      </pc:sldChg>
-    </pc:docChg>
-  </pc:docChgLst>
-  <pc:docChgLst>
-    <pc:chgData name="Al Rodriguez" userId="b48bf10617e0a040" providerId="Windows Live" clId="Web-{B1C64945-2882-406B-89BF-A8AC6D5A5895}"/>
-    <pc:docChg chg="modSld">
-      <pc:chgData name="Al Rodriguez" userId="b48bf10617e0a040" providerId="Windows Live" clId="Web-{B1C64945-2882-406B-89BF-A8AC6D5A5895}" dt="2022-01-18T00:13:22.584" v="10" actId="20577"/>
-      <pc:docMkLst>
-        <pc:docMk/>
-      </pc:docMkLst>
-      <pc:sldChg chg="modSp">
-        <pc:chgData name="Al Rodriguez" userId="b48bf10617e0a040" providerId="Windows Live" clId="Web-{B1C64945-2882-406B-89BF-A8AC6D5A5895}" dt="2022-01-18T00:13:22.584" v="10" actId="20577"/>
-        <pc:sldMkLst>
-          <pc:docMk/>
-          <pc:sldMk cId="3707992756" sldId="259"/>
-        </pc:sldMkLst>
-        <pc:spChg chg="mod">
-          <ac:chgData name="Al Rodriguez" userId="b48bf10617e0a040" providerId="Windows Live" clId="Web-{B1C64945-2882-406B-89BF-A8AC6D5A5895}" dt="2022-01-18T00:13:22.584" v="10" actId="20577"/>
-          <ac:spMkLst>
-            <pc:docMk/>
-            <pc:sldMk cId="3707992756" sldId="259"/>
-            <ac:spMk id="2" creationId="{DFD000F4-BCAB-4BAC-B594-C960287B15A6}"/>
-          </ac:spMkLst>
-        </pc:spChg>
-      </pc:sldChg>
-    </pc:docChg>
-  </pc:docChgLst>
-  <pc:docChgLst>
-    <pc:chgData name="Al Rodriguez" userId="b48bf10617e0a040" providerId="Windows Live" clId="Web-{AA4A7A1F-DF1A-4CC3-AF96-ABC186823821}"/>
-    <pc:docChg chg="addSld modSld">
-      <pc:chgData name="Al Rodriguez" userId="b48bf10617e0a040" providerId="Windows Live" clId="Web-{AA4A7A1F-DF1A-4CC3-AF96-ABC186823821}" dt="2022-01-18T01:03:34.232" v="74" actId="20577"/>
-      <pc:docMkLst>
-        <pc:docMk/>
-      </pc:docMkLst>
-      <pc:sldChg chg="addSp delSp modSp mod setBg">
-        <pc:chgData name="Al Rodriguez" userId="b48bf10617e0a040" providerId="Windows Live" clId="Web-{AA4A7A1F-DF1A-4CC3-AF96-ABC186823821}" dt="2022-01-18T00:17:47.734" v="5"/>
-        <pc:sldMkLst>
-          <pc:docMk/>
-          <pc:sldMk cId="254804805" sldId="260"/>
-        </pc:sldMkLst>
-        <pc:spChg chg="del">
-          <ac:chgData name="Al Rodriguez" userId="b48bf10617e0a040" providerId="Windows Live" clId="Web-{AA4A7A1F-DF1A-4CC3-AF96-ABC186823821}" dt="2022-01-18T00:17:34.187" v="0"/>
-          <ac:spMkLst>
-            <pc:docMk/>
-            <pc:sldMk cId="254804805" sldId="260"/>
-            <ac:spMk id="2" creationId="{D276032A-F868-4353-80E3-4BB9CCC85EA8}"/>
-          </ac:spMkLst>
-        </pc:spChg>
-        <pc:spChg chg="del">
-          <ac:chgData name="Al Rodriguez" userId="b48bf10617e0a040" providerId="Windows Live" clId="Web-{AA4A7A1F-DF1A-4CC3-AF96-ABC186823821}" dt="2022-01-18T00:17:38.687" v="1"/>
-          <ac:spMkLst>
-            <pc:docMk/>
-            <pc:sldMk cId="254804805" sldId="260"/>
-            <ac:spMk id="3" creationId="{E5D0213B-5817-4382-83C1-C60B1A5857A7}"/>
-          </ac:spMkLst>
-        </pc:spChg>
-        <pc:spChg chg="add">
-          <ac:chgData name="Al Rodriguez" userId="b48bf10617e0a040" providerId="Windows Live" clId="Web-{AA4A7A1F-DF1A-4CC3-AF96-ABC186823821}" dt="2022-01-18T00:17:47.734" v="5"/>
-          <ac:spMkLst>
-            <pc:docMk/>
-            <pc:sldMk cId="254804805" sldId="260"/>
-            <ac:spMk id="6" creationId="{32BC26D8-82FB-445E-AA49-62A77D7C1EE0}"/>
-          </ac:spMkLst>
-        </pc:spChg>
-        <pc:spChg chg="add del">
-          <ac:chgData name="Al Rodriguez" userId="b48bf10617e0a040" providerId="Windows Live" clId="Web-{AA4A7A1F-DF1A-4CC3-AF96-ABC186823821}" dt="2022-01-18T00:17:47.734" v="4"/>
-          <ac:spMkLst>
-            <pc:docMk/>
-            <pc:sldMk cId="254804805" sldId="260"/>
-            <ac:spMk id="9" creationId="{42A4FC2C-047E-45A5-965D-8E1E3BF09BC6}"/>
-          </ac:spMkLst>
-        </pc:spChg>
-        <pc:spChg chg="add">
-          <ac:chgData name="Al Rodriguez" userId="b48bf10617e0a040" providerId="Windows Live" clId="Web-{AA4A7A1F-DF1A-4CC3-AF96-ABC186823821}" dt="2022-01-18T00:17:47.734" v="5"/>
-          <ac:spMkLst>
-            <pc:docMk/>
-            <pc:sldMk cId="254804805" sldId="260"/>
-            <ac:spMk id="11" creationId="{CB44330D-EA18-4254-AA95-EB49948539B8}"/>
-          </ac:spMkLst>
-        </pc:spChg>
-        <pc:picChg chg="add mod">
-          <ac:chgData name="Al Rodriguez" userId="b48bf10617e0a040" providerId="Windows Live" clId="Web-{AA4A7A1F-DF1A-4CC3-AF96-ABC186823821}" dt="2022-01-18T00:17:47.734" v="5"/>
-          <ac:picMkLst>
-            <pc:docMk/>
-            <pc:sldMk cId="254804805" sldId="260"/>
-            <ac:picMk id="4" creationId="{82330A9F-1416-4765-842B-D4A81BBBD438}"/>
-          </ac:picMkLst>
-        </pc:picChg>
-      </pc:sldChg>
-      <pc:sldChg chg="addSp delSp modSp">
-        <pc:chgData name="Al Rodriguez" userId="b48bf10617e0a040" providerId="Windows Live" clId="Web-{AA4A7A1F-DF1A-4CC3-AF96-ABC186823821}" dt="2022-01-18T00:21:41.554" v="41" actId="20577"/>
-        <pc:sldMkLst>
-          <pc:docMk/>
-          <pc:sldMk cId="514325161" sldId="261"/>
-        </pc:sldMkLst>
-        <pc:spChg chg="mod">
-          <ac:chgData name="Al Rodriguez" userId="b48bf10617e0a040" providerId="Windows Live" clId="Web-{AA4A7A1F-DF1A-4CC3-AF96-ABC186823821}" dt="2022-01-18T00:20:29.784" v="7" actId="20577"/>
-          <ac:spMkLst>
-            <pc:docMk/>
-            <pc:sldMk cId="514325161" sldId="261"/>
-            <ac:spMk id="2" creationId="{78F2DCB5-8036-42C1-82B0-D42C7105C5B6}"/>
-          </ac:spMkLst>
-        </pc:spChg>
-        <pc:spChg chg="add del mod">
-          <ac:chgData name="Al Rodriguez" userId="b48bf10617e0a040" providerId="Windows Live" clId="Web-{AA4A7A1F-DF1A-4CC3-AF96-ABC186823821}" dt="2022-01-18T00:21:41.554" v="41" actId="20577"/>
-          <ac:spMkLst>
-            <pc:docMk/>
-            <pc:sldMk cId="514325161" sldId="261"/>
-            <ac:spMk id="3" creationId="{3780CABC-6299-43F0-A381-7F7184A6C189}"/>
-          </ac:spMkLst>
-        </pc:spChg>
-        <pc:graphicFrameChg chg="add del mod ord modGraphic">
-          <ac:chgData name="Al Rodriguez" userId="b48bf10617e0a040" providerId="Windows Live" clId="Web-{AA4A7A1F-DF1A-4CC3-AF96-ABC186823821}" dt="2022-01-18T00:20:32.769" v="9"/>
-          <ac:graphicFrameMkLst>
-            <pc:docMk/>
-            <pc:sldMk cId="514325161" sldId="261"/>
-            <ac:graphicFrameMk id="4" creationId="{B77C75AD-E35F-4230-84F7-981B99389C30}"/>
-          </ac:graphicFrameMkLst>
-        </pc:graphicFrameChg>
-      </pc:sldChg>
-      <pc:sldChg chg="modSp new">
-        <pc:chgData name="Al Rodriguez" userId="b48bf10617e0a040" providerId="Windows Live" clId="Web-{AA4A7A1F-DF1A-4CC3-AF96-ABC186823821}" dt="2022-01-18T01:03:34.232" v="74" actId="20577"/>
-        <pc:sldMkLst>
-          <pc:docMk/>
-          <pc:sldMk cId="3980713397" sldId="267"/>
-        </pc:sldMkLst>
-        <pc:spChg chg="mod">
-          <ac:chgData name="Al Rodriguez" userId="b48bf10617e0a040" providerId="Windows Live" clId="Web-{AA4A7A1F-DF1A-4CC3-AF96-ABC186823821}" dt="2022-01-18T00:49:38.657" v="47" actId="20577"/>
-          <ac:spMkLst>
-            <pc:docMk/>
-            <pc:sldMk cId="3980713397" sldId="267"/>
-            <ac:spMk id="2" creationId="{E6888E06-EB55-475B-9F52-76795DD26A17}"/>
-          </ac:spMkLst>
-        </pc:spChg>
-        <pc:spChg chg="mod">
-          <ac:chgData name="Al Rodriguez" userId="b48bf10617e0a040" providerId="Windows Live" clId="Web-{AA4A7A1F-DF1A-4CC3-AF96-ABC186823821}" dt="2022-01-18T01:03:34.232" v="74" actId="20577"/>
-          <ac:spMkLst>
-            <pc:docMk/>
-            <pc:sldMk cId="3980713397" sldId="267"/>
-            <ac:spMk id="3" creationId="{6D2189B7-5EF6-4613-9A2E-72096DEBB230}"/>
-          </ac:spMkLst>
-        </pc:spChg>
-      </pc:sldChg>
-    </pc:docChg>
-  </pc:docChgLst>
-  <pc:docChgLst>
-    <pc:chgData name="Al Rodriguez" userId="b48bf10617e0a040" providerId="Windows Live" clId="Web-{78A0B006-24E5-4E10-B65F-F7182DA9772E}"/>
-    <pc:docChg chg="addSld modSld">
-      <pc:chgData name="Al Rodriguez" userId="b48bf10617e0a040" providerId="Windows Live" clId="Web-{78A0B006-24E5-4E10-B65F-F7182DA9772E}" dt="2022-01-23T23:13:09.314" v="18" actId="20577"/>
-      <pc:docMkLst>
-        <pc:docMk/>
-      </pc:docMkLst>
-      <pc:sldChg chg="modSp new">
-        <pc:chgData name="Al Rodriguez" userId="b48bf10617e0a040" providerId="Windows Live" clId="Web-{78A0B006-24E5-4E10-B65F-F7182DA9772E}" dt="2022-01-23T23:13:09.314" v="18" actId="20577"/>
-        <pc:sldMkLst>
-          <pc:docMk/>
-          <pc:sldMk cId="42973494" sldId="280"/>
-        </pc:sldMkLst>
-        <pc:spChg chg="mod">
-          <ac:chgData name="Al Rodriguez" userId="b48bf10617e0a040" providerId="Windows Live" clId="Web-{78A0B006-24E5-4E10-B65F-F7182DA9772E}" dt="2022-01-23T23:13:09.314" v="18" actId="20577"/>
-          <ac:spMkLst>
-            <pc:docMk/>
-            <pc:sldMk cId="42973494" sldId="280"/>
-            <ac:spMk id="2" creationId="{0648151A-DE9B-4B81-8D89-F49ED7BC55DA}"/>
-          </ac:spMkLst>
-        </pc:spChg>
-      </pc:sldChg>
-    </pc:docChg>
-  </pc:docChgLst>
-  <pc:docChgLst>
-    <pc:chgData name="Al Rodriguez" userId="b48bf10617e0a040" providerId="Windows Live" clId="Web-{EA519139-C4BA-4A01-9098-27FB052DFC69}"/>
-    <pc:docChg chg="addSld modSld">
-      <pc:chgData name="Al Rodriguez" userId="b48bf10617e0a040" providerId="Windows Live" clId="Web-{EA519139-C4BA-4A01-9098-27FB052DFC69}" dt="2022-01-12T01:12:10.934" v="352" actId="20577"/>
-      <pc:docMkLst>
-        <pc:docMk/>
-      </pc:docMkLst>
-      <pc:sldChg chg="modSp">
-        <pc:chgData name="Al Rodriguez" userId="b48bf10617e0a040" providerId="Windows Live" clId="Web-{EA519139-C4BA-4A01-9098-27FB052DFC69}" dt="2022-01-12T00:41:38.603" v="15" actId="20577"/>
-        <pc:sldMkLst>
-          <pc:docMk/>
-          <pc:sldMk cId="109857222" sldId="256"/>
-        </pc:sldMkLst>
-        <pc:spChg chg="mod">
-          <ac:chgData name="Al Rodriguez" userId="b48bf10617e0a040" providerId="Windows Live" clId="Web-{EA519139-C4BA-4A01-9098-27FB052DFC69}" dt="2022-01-12T00:41:38.603" v="15" actId="20577"/>
-          <ac:spMkLst>
-            <pc:docMk/>
-            <pc:sldMk cId="109857222" sldId="256"/>
-            <ac:spMk id="2" creationId="{00000000-0000-0000-0000-000000000000}"/>
-          </ac:spMkLst>
-        </pc:spChg>
-      </pc:sldChg>
-      <pc:sldChg chg="modSp new">
-        <pc:chgData name="Al Rodriguez" userId="b48bf10617e0a040" providerId="Windows Live" clId="Web-{EA519139-C4BA-4A01-9098-27FB052DFC69}" dt="2022-01-12T01:07:37.819" v="71" actId="20577"/>
-        <pc:sldMkLst>
-          <pc:docMk/>
-          <pc:sldMk cId="2477474540" sldId="257"/>
-        </pc:sldMkLst>
-        <pc:spChg chg="mod">
-          <ac:chgData name="Al Rodriguez" userId="b48bf10617e0a040" providerId="Windows Live" clId="Web-{EA519139-C4BA-4A01-9098-27FB052DFC69}" dt="2022-01-12T01:07:37.819" v="71" actId="20577"/>
-          <ac:spMkLst>
-            <pc:docMk/>
-            <pc:sldMk cId="2477474540" sldId="257"/>
-            <ac:spMk id="2" creationId="{A0AA5E6E-496D-4B74-A5D0-1E6852535265}"/>
-          </ac:spMkLst>
-        </pc:spChg>
-        <pc:spChg chg="mod">
-          <ac:chgData name="Al Rodriguez" userId="b48bf10617e0a040" providerId="Windows Live" clId="Web-{EA519139-C4BA-4A01-9098-27FB052DFC69}" dt="2022-01-12T00:43:36.778" v="64" actId="20577"/>
-          <ac:spMkLst>
-            <pc:docMk/>
-            <pc:sldMk cId="2477474540" sldId="257"/>
-            <ac:spMk id="3" creationId="{AF471C18-2729-48C3-9C7B-48CEF5FDEC52}"/>
-          </ac:spMkLst>
-        </pc:spChg>
-      </pc:sldChg>
-      <pc:sldChg chg="modSp new">
-        <pc:chgData name="Al Rodriguez" userId="b48bf10617e0a040" providerId="Windows Live" clId="Web-{EA519139-C4BA-4A01-9098-27FB052DFC69}" dt="2022-01-12T01:08:45.867" v="162" actId="20577"/>
-        <pc:sldMkLst>
-          <pc:docMk/>
-          <pc:sldMk cId="4173770641" sldId="258"/>
-        </pc:sldMkLst>
-        <pc:spChg chg="mod">
-          <ac:chgData name="Al Rodriguez" userId="b48bf10617e0a040" providerId="Windows Live" clId="Web-{EA519139-C4BA-4A01-9098-27FB052DFC69}" dt="2022-01-12T01:07:46.709" v="90" actId="20577"/>
-          <ac:spMkLst>
-            <pc:docMk/>
-            <pc:sldMk cId="4173770641" sldId="258"/>
-            <ac:spMk id="2" creationId="{D223CBBB-0AEA-4914-8C1F-A17685BB5F2F}"/>
-          </ac:spMkLst>
-        </pc:spChg>
-        <pc:spChg chg="mod">
-          <ac:chgData name="Al Rodriguez" userId="b48bf10617e0a040" providerId="Windows Live" clId="Web-{EA519139-C4BA-4A01-9098-27FB052DFC69}" dt="2022-01-12T01:08:45.867" v="162" actId="20577"/>
-          <ac:spMkLst>
-            <pc:docMk/>
-            <pc:sldMk cId="4173770641" sldId="258"/>
-            <ac:spMk id="3" creationId="{28AB5419-5B6C-456A-AC00-D107B2D919F7}"/>
-          </ac:spMkLst>
-        </pc:spChg>
-      </pc:sldChg>
-      <pc:sldChg chg="new">
-        <pc:chgData name="Al Rodriguez" userId="b48bf10617e0a040" providerId="Windows Live" clId="Web-{EA519139-C4BA-4A01-9098-27FB052DFC69}" dt="2022-01-12T00:41:44.713" v="18"/>
-        <pc:sldMkLst>
-          <pc:docMk/>
-          <pc:sldMk cId="3707992756" sldId="259"/>
-        </pc:sldMkLst>
-      </pc:sldChg>
-      <pc:sldChg chg="new">
-        <pc:chgData name="Al Rodriguez" userId="b48bf10617e0a040" providerId="Windows Live" clId="Web-{EA519139-C4BA-4A01-9098-27FB052DFC69}" dt="2022-01-12T00:41:45.010" v="19"/>
-        <pc:sldMkLst>
-          <pc:docMk/>
-          <pc:sldMk cId="254804805" sldId="260"/>
-        </pc:sldMkLst>
-      </pc:sldChg>
-      <pc:sldChg chg="new">
-        <pc:chgData name="Al Rodriguez" userId="b48bf10617e0a040" providerId="Windows Live" clId="Web-{EA519139-C4BA-4A01-9098-27FB052DFC69}" dt="2022-01-12T00:41:45.166" v="20"/>
-        <pc:sldMkLst>
-          <pc:docMk/>
-          <pc:sldMk cId="514325161" sldId="261"/>
-        </pc:sldMkLst>
-      </pc:sldChg>
-      <pc:sldChg chg="modSp new">
-        <pc:chgData name="Al Rodriguez" userId="b48bf10617e0a040" providerId="Windows Live" clId="Web-{EA519139-C4BA-4A01-9098-27FB052DFC69}" dt="2022-01-12T01:11:27.574" v="306" actId="20577"/>
-        <pc:sldMkLst>
-          <pc:docMk/>
-          <pc:sldMk cId="1144451087" sldId="262"/>
-        </pc:sldMkLst>
-        <pc:spChg chg="mod">
-          <ac:chgData name="Al Rodriguez" userId="b48bf10617e0a040" providerId="Windows Live" clId="Web-{EA519139-C4BA-4A01-9098-27FB052DFC69}" dt="2022-01-12T01:08:51.226" v="168" actId="20577"/>
-          <ac:spMkLst>
-            <pc:docMk/>
-            <pc:sldMk cId="1144451087" sldId="262"/>
-            <ac:spMk id="2" creationId="{E081B867-DBE0-4520-A0A7-9E2AA4291385}"/>
-          </ac:spMkLst>
-        </pc:spChg>
-        <pc:spChg chg="mod">
-          <ac:chgData name="Al Rodriguez" userId="b48bf10617e0a040" providerId="Windows Live" clId="Web-{EA519139-C4BA-4A01-9098-27FB052DFC69}" dt="2022-01-12T01:11:27.574" v="306" actId="20577"/>
-          <ac:spMkLst>
-            <pc:docMk/>
-            <pc:sldMk cId="1144451087" sldId="262"/>
-            <ac:spMk id="3" creationId="{92899C1C-0A69-453D-B185-5C28285C43FC}"/>
-          </ac:spMkLst>
-        </pc:spChg>
-      </pc:sldChg>
-      <pc:sldChg chg="new">
-        <pc:chgData name="Al Rodriguez" userId="b48bf10617e0a040" providerId="Windows Live" clId="Web-{EA519139-C4BA-4A01-9098-27FB052DFC69}" dt="2022-01-12T01:09:27.087" v="183"/>
-        <pc:sldMkLst>
-          <pc:docMk/>
-          <pc:sldMk cId="3706084868" sldId="263"/>
-        </pc:sldMkLst>
-      </pc:sldChg>
-      <pc:sldChg chg="modSp new">
-        <pc:chgData name="Al Rodriguez" userId="b48bf10617e0a040" providerId="Windows Live" clId="Web-{EA519139-C4BA-4A01-9098-27FB052DFC69}" dt="2022-01-12T01:12:10.934" v="352" actId="20577"/>
-        <pc:sldMkLst>
-          <pc:docMk/>
-          <pc:sldMk cId="1514649996" sldId="264"/>
-        </pc:sldMkLst>
-        <pc:spChg chg="mod">
-          <ac:chgData name="Al Rodriguez" userId="b48bf10617e0a040" providerId="Windows Live" clId="Web-{EA519139-C4BA-4A01-9098-27FB052DFC69}" dt="2022-01-12T01:09:49.462" v="186" actId="20577"/>
-          <ac:spMkLst>
-            <pc:docMk/>
-            <pc:sldMk cId="1514649996" sldId="264"/>
-            <ac:spMk id="2" creationId="{CCEDD032-0774-4A17-A659-7EA6BDE3CE56}"/>
-          </ac:spMkLst>
-        </pc:spChg>
-        <pc:spChg chg="mod">
-          <ac:chgData name="Al Rodriguez" userId="b48bf10617e0a040" providerId="Windows Live" clId="Web-{EA519139-C4BA-4A01-9098-27FB052DFC69}" dt="2022-01-12T01:12:10.934" v="352" actId="20577"/>
-          <ac:spMkLst>
-            <pc:docMk/>
-            <pc:sldMk cId="1514649996" sldId="264"/>
-            <ac:spMk id="3" creationId="{C082AE43-A2DF-4C60-82B3-CB2639F256FB}"/>
-          </ac:spMkLst>
-        </pc:spChg>
-      </pc:sldChg>
-    </pc:docChg>
-  </pc:docChgLst>
-  <pc:docChgLst>
     <pc:chgData name="Al Rodriguez" userId="b48bf10617e0a040" providerId="Windows Live" clId="Web-{043B8551-D33A-460E-B039-486E645B570C}"/>
     <pc:docChg chg="addSld delSld modSld sldOrd">
       <pc:chgData name="Al Rodriguez" userId="b48bf10617e0a040" providerId="Windows Live" clId="Web-{043B8551-D33A-460E-B039-486E645B570C}" dt="2022-01-27T02:42:32.361" v="412"/>
@@ -1701,55 +716,437 @@
     </pc:docChg>
   </pc:docChgLst>
   <pc:docChgLst>
-    <pc:chgData name="Al Rodriguez" userId="b48bf10617e0a040" providerId="Windows Live" clId="Web-{B5F2BE93-F00A-49EF-A44A-74F9AECCDE5A}"/>
-    <pc:docChg chg="modSld">
-      <pc:chgData name="Al Rodriguez" userId="b48bf10617e0a040" providerId="Windows Live" clId="Web-{B5F2BE93-F00A-49EF-A44A-74F9AECCDE5A}" dt="2022-01-20T01:46:59.587" v="142" actId="20577"/>
+    <pc:chgData name="Al Rodriguez" userId="b48bf10617e0a040" providerId="Windows Live" clId="Web-{6095A30F-77EB-4C10-AF41-5C91F6FDB0DF}"/>
+    <pc:docChg chg="addSld modSld">
+      <pc:chgData name="Al Rodriguez" userId="b48bf10617e0a040" providerId="Windows Live" clId="Web-{6095A30F-77EB-4C10-AF41-5C91F6FDB0DF}" dt="2022-01-23T22:38:11.993" v="168" actId="20577"/>
       <pc:docMkLst>
         <pc:docMk/>
       </pc:docMkLst>
       <pc:sldChg chg="modSp">
-        <pc:chgData name="Al Rodriguez" userId="b48bf10617e0a040" providerId="Windows Live" clId="Web-{B5F2BE93-F00A-49EF-A44A-74F9AECCDE5A}" dt="2022-01-20T01:46:59.587" v="142" actId="20577"/>
+        <pc:chgData name="Al Rodriguez" userId="b48bf10617e0a040" providerId="Windows Live" clId="Web-{6095A30F-77EB-4C10-AF41-5C91F6FDB0DF}" dt="2022-01-23T22:38:11.993" v="168" actId="20577"/>
+        <pc:sldMkLst>
+          <pc:docMk/>
+          <pc:sldMk cId="2981593132" sldId="272"/>
+        </pc:sldMkLst>
+        <pc:spChg chg="mod">
+          <ac:chgData name="Al Rodriguez" userId="b48bf10617e0a040" providerId="Windows Live" clId="Web-{6095A30F-77EB-4C10-AF41-5C91F6FDB0DF}" dt="2022-01-23T22:34:23.580" v="121" actId="20577"/>
+          <ac:spMkLst>
+            <pc:docMk/>
+            <pc:sldMk cId="2981593132" sldId="272"/>
+            <ac:spMk id="2" creationId="{F90F67EB-1005-4DE6-BB2A-35B00B99C88C}"/>
+          </ac:spMkLst>
+        </pc:spChg>
+        <pc:spChg chg="mod">
+          <ac:chgData name="Al Rodriguez" userId="b48bf10617e0a040" providerId="Windows Live" clId="Web-{6095A30F-77EB-4C10-AF41-5C91F6FDB0DF}" dt="2022-01-23T22:38:11.993" v="168" actId="20577"/>
+          <ac:spMkLst>
+            <pc:docMk/>
+            <pc:sldMk cId="2981593132" sldId="272"/>
+            <ac:spMk id="3" creationId="{ABCFDFC0-3B9D-45E2-8590-44185EA2DC4B}"/>
+          </ac:spMkLst>
+        </pc:spChg>
+      </pc:sldChg>
+      <pc:sldChg chg="modSp">
+        <pc:chgData name="Al Rodriguez" userId="b48bf10617e0a040" providerId="Windows Live" clId="Web-{6095A30F-77EB-4C10-AF41-5C91F6FDB0DF}" dt="2022-01-22T18:30:54.581" v="5" actId="20577"/>
+        <pc:sldMkLst>
+          <pc:docMk/>
+          <pc:sldMk cId="180141539" sldId="273"/>
+        </pc:sldMkLst>
+        <pc:spChg chg="mod">
+          <ac:chgData name="Al Rodriguez" userId="b48bf10617e0a040" providerId="Windows Live" clId="Web-{6095A30F-77EB-4C10-AF41-5C91F6FDB0DF}" dt="2022-01-22T18:30:54.581" v="5" actId="20577"/>
+          <ac:spMkLst>
+            <pc:docMk/>
+            <pc:sldMk cId="180141539" sldId="273"/>
+            <ac:spMk id="2" creationId="{CD11E7AE-4D03-43B7-9A8C-E4A1E5A7D12E}"/>
+          </ac:spMkLst>
+        </pc:spChg>
+      </pc:sldChg>
+      <pc:sldChg chg="modSp">
+        <pc:chgData name="Al Rodriguez" userId="b48bf10617e0a040" providerId="Windows Live" clId="Web-{6095A30F-77EB-4C10-AF41-5C91F6FDB0DF}" dt="2022-01-23T22:33:35.407" v="93" actId="20577"/>
+        <pc:sldMkLst>
+          <pc:docMk/>
+          <pc:sldMk cId="2018038834" sldId="275"/>
+        </pc:sldMkLst>
+        <pc:spChg chg="mod">
+          <ac:chgData name="Al Rodriguez" userId="b48bf10617e0a040" providerId="Windows Live" clId="Web-{6095A30F-77EB-4C10-AF41-5C91F6FDB0DF}" dt="2022-01-23T22:33:35.407" v="93" actId="20577"/>
+          <ac:spMkLst>
+            <pc:docMk/>
+            <pc:sldMk cId="2018038834" sldId="275"/>
+            <ac:spMk id="2" creationId="{F37A148A-689A-4D1B-B57B-049F95DC5352}"/>
+          </ac:spMkLst>
+        </pc:spChg>
+      </pc:sldChg>
+      <pc:sldChg chg="modSp">
+        <pc:chgData name="Al Rodriguez" userId="b48bf10617e0a040" providerId="Windows Live" clId="Web-{6095A30F-77EB-4C10-AF41-5C91F6FDB0DF}" dt="2022-01-23T22:33:48.860" v="102" actId="20577"/>
+        <pc:sldMkLst>
+          <pc:docMk/>
+          <pc:sldMk cId="2951701272" sldId="276"/>
+        </pc:sldMkLst>
+        <pc:spChg chg="mod">
+          <ac:chgData name="Al Rodriguez" userId="b48bf10617e0a040" providerId="Windows Live" clId="Web-{6095A30F-77EB-4C10-AF41-5C91F6FDB0DF}" dt="2022-01-23T22:33:42.407" v="94" actId="20577"/>
+          <ac:spMkLst>
+            <pc:docMk/>
+            <pc:sldMk cId="2951701272" sldId="276"/>
+            <ac:spMk id="2" creationId="{1F6990E4-B55A-44BB-812F-948110E48E2C}"/>
+          </ac:spMkLst>
+        </pc:spChg>
+        <pc:spChg chg="mod">
+          <ac:chgData name="Al Rodriguez" userId="b48bf10617e0a040" providerId="Windows Live" clId="Web-{6095A30F-77EB-4C10-AF41-5C91F6FDB0DF}" dt="2022-01-23T22:33:48.860" v="102" actId="20577"/>
+          <ac:spMkLst>
+            <pc:docMk/>
+            <pc:sldMk cId="2951701272" sldId="276"/>
+            <ac:spMk id="3" creationId="{C4215916-D342-4AAE-BADF-932C47C4F3FD}"/>
+          </ac:spMkLst>
+        </pc:spChg>
+      </pc:sldChg>
+      <pc:sldChg chg="modSp new">
+        <pc:chgData name="Al Rodriguez" userId="b48bf10617e0a040" providerId="Windows Live" clId="Web-{6095A30F-77EB-4C10-AF41-5C91F6FDB0DF}" dt="2022-01-23T22:33:32.828" v="90" actId="20577"/>
+        <pc:sldMkLst>
+          <pc:docMk/>
+          <pc:sldMk cId="1300823807" sldId="278"/>
+        </pc:sldMkLst>
+        <pc:spChg chg="mod">
+          <ac:chgData name="Al Rodriguez" userId="b48bf10617e0a040" providerId="Windows Live" clId="Web-{6095A30F-77EB-4C10-AF41-5C91F6FDB0DF}" dt="2022-01-22T18:30:59.972" v="15" actId="20577"/>
+          <ac:spMkLst>
+            <pc:docMk/>
+            <pc:sldMk cId="1300823807" sldId="278"/>
+            <ac:spMk id="2" creationId="{AC507FC6-ED54-42BE-B5F9-86CE144931C1}"/>
+          </ac:spMkLst>
+        </pc:spChg>
+        <pc:spChg chg="mod">
+          <ac:chgData name="Al Rodriguez" userId="b48bf10617e0a040" providerId="Windows Live" clId="Web-{6095A30F-77EB-4C10-AF41-5C91F6FDB0DF}" dt="2022-01-23T22:33:32.828" v="90" actId="20577"/>
+          <ac:spMkLst>
+            <pc:docMk/>
+            <pc:sldMk cId="1300823807" sldId="278"/>
+            <ac:spMk id="3" creationId="{2135A546-AAA5-4C55-AA30-79A46F2A2053}"/>
+          </ac:spMkLst>
+        </pc:spChg>
+      </pc:sldChg>
+      <pc:sldChg chg="modSp new">
+        <pc:chgData name="Al Rodriguez" userId="b48bf10617e0a040" providerId="Windows Live" clId="Web-{6095A30F-77EB-4C10-AF41-5C91F6FDB0DF}" dt="2022-01-23T22:34:17.939" v="111" actId="20577"/>
+        <pc:sldMkLst>
+          <pc:docMk/>
+          <pc:sldMk cId="468657460" sldId="279"/>
+        </pc:sldMkLst>
+        <pc:spChg chg="mod">
+          <ac:chgData name="Al Rodriguez" userId="b48bf10617e0a040" providerId="Windows Live" clId="Web-{6095A30F-77EB-4C10-AF41-5C91F6FDB0DF}" dt="2022-01-23T22:34:17.939" v="111" actId="20577"/>
+          <ac:spMkLst>
+            <pc:docMk/>
+            <pc:sldMk cId="468657460" sldId="279"/>
+            <ac:spMk id="2" creationId="{751BE15A-7542-45F6-A21C-2EA7222C1E42}"/>
+          </ac:spMkLst>
+        </pc:spChg>
+      </pc:sldChg>
+    </pc:docChg>
+  </pc:docChgLst>
+  <pc:docChgLst>
+    <pc:chgData name="Al Rodriguez" userId="b48bf10617e0a040" providerId="Windows Live" clId="Web-{A61528CF-9BCB-4701-87F8-C08FA5489D66}"/>
+    <pc:docChg chg="addSld modSld">
+      <pc:chgData name="Al Rodriguez" userId="b48bf10617e0a040" providerId="Windows Live" clId="Web-{A61528CF-9BCB-4701-87F8-C08FA5489D66}" dt="2022-01-12T01:26:43.107" v="102" actId="20577"/>
+      <pc:docMkLst>
+        <pc:docMk/>
+      </pc:docMkLst>
+      <pc:sldChg chg="modSp">
+        <pc:chgData name="Al Rodriguez" userId="b48bf10617e0a040" providerId="Windows Live" clId="Web-{A61528CF-9BCB-4701-87F8-C08FA5489D66}" dt="2022-01-12T01:26:43.107" v="102" actId="20577"/>
+        <pc:sldMkLst>
+          <pc:docMk/>
+          <pc:sldMk cId="1144451087" sldId="262"/>
+        </pc:sldMkLst>
+        <pc:spChg chg="mod">
+          <ac:chgData name="Al Rodriguez" userId="b48bf10617e0a040" providerId="Windows Live" clId="Web-{A61528CF-9BCB-4701-87F8-C08FA5489D66}" dt="2022-01-12T01:26:43.107" v="102" actId="20577"/>
+          <ac:spMkLst>
+            <pc:docMk/>
+            <pc:sldMk cId="1144451087" sldId="262"/>
+            <ac:spMk id="3" creationId="{92899C1C-0A69-453D-B185-5C28285C43FC}"/>
+          </ac:spMkLst>
+        </pc:spChg>
+      </pc:sldChg>
+      <pc:sldChg chg="modSp">
+        <pc:chgData name="Al Rodriguez" userId="b48bf10617e0a040" providerId="Windows Live" clId="Web-{A61528CF-9BCB-4701-87F8-C08FA5489D66}" dt="2022-01-12T01:23:38.796" v="26" actId="20577"/>
+        <pc:sldMkLst>
+          <pc:docMk/>
+          <pc:sldMk cId="1514649996" sldId="264"/>
+        </pc:sldMkLst>
+        <pc:spChg chg="mod">
+          <ac:chgData name="Al Rodriguez" userId="b48bf10617e0a040" providerId="Windows Live" clId="Web-{A61528CF-9BCB-4701-87F8-C08FA5489D66}" dt="2022-01-12T01:23:38.796" v="26" actId="20577"/>
+          <ac:spMkLst>
+            <pc:docMk/>
+            <pc:sldMk cId="1514649996" sldId="264"/>
+            <ac:spMk id="3" creationId="{C082AE43-A2DF-4C60-82B3-CB2639F256FB}"/>
+          </ac:spMkLst>
+        </pc:spChg>
+      </pc:sldChg>
+      <pc:sldChg chg="modSp new">
+        <pc:chgData name="Al Rodriguez" userId="b48bf10617e0a040" providerId="Windows Live" clId="Web-{A61528CF-9BCB-4701-87F8-C08FA5489D66}" dt="2022-01-12T01:25:57.398" v="70" actId="20577"/>
+        <pc:sldMkLst>
+          <pc:docMk/>
+          <pc:sldMk cId="2433014943" sldId="265"/>
+        </pc:sldMkLst>
+        <pc:spChg chg="mod">
+          <ac:chgData name="Al Rodriguez" userId="b48bf10617e0a040" providerId="Windows Live" clId="Web-{A61528CF-9BCB-4701-87F8-C08FA5489D66}" dt="2022-01-12T01:23:46.374" v="30" actId="20577"/>
+          <ac:spMkLst>
+            <pc:docMk/>
+            <pc:sldMk cId="2433014943" sldId="265"/>
+            <ac:spMk id="2" creationId="{6DE51BC8-5D3F-4EA0-95D1-00DCBF894637}"/>
+          </ac:spMkLst>
+        </pc:spChg>
+        <pc:spChg chg="mod">
+          <ac:chgData name="Al Rodriguez" userId="b48bf10617e0a040" providerId="Windows Live" clId="Web-{A61528CF-9BCB-4701-87F8-C08FA5489D66}" dt="2022-01-12T01:25:57.398" v="70" actId="20577"/>
+          <ac:spMkLst>
+            <pc:docMk/>
+            <pc:sldMk cId="2433014943" sldId="265"/>
+            <ac:spMk id="3" creationId="{320E5F14-B740-4F3C-9A13-2E860DCE072B}"/>
+          </ac:spMkLst>
+        </pc:spChg>
+      </pc:sldChg>
+    </pc:docChg>
+  </pc:docChgLst>
+  <pc:docChgLst>
+    <pc:chgData name="Al Rodriguez" userId="b48bf10617e0a040" providerId="Windows Live" clId="Web-{92D567F2-E0F6-4B65-BBE4-A5B35966932F}"/>
+    <pc:docChg chg="addSld modSld sldOrd">
+      <pc:chgData name="Al Rodriguez" userId="b48bf10617e0a040" providerId="Windows Live" clId="Web-{92D567F2-E0F6-4B65-BBE4-A5B35966932F}" dt="2022-01-19T03:02:19.861" v="459" actId="20577"/>
+      <pc:docMkLst>
+        <pc:docMk/>
+      </pc:docMkLst>
+      <pc:sldChg chg="modSp ord">
+        <pc:chgData name="Al Rodriguez" userId="b48bf10617e0a040" providerId="Windows Live" clId="Web-{92D567F2-E0F6-4B65-BBE4-A5B35966932F}" dt="2022-01-19T02:27:22.786" v="317" actId="20577"/>
+        <pc:sldMkLst>
+          <pc:docMk/>
+          <pc:sldMk cId="3707992756" sldId="259"/>
+        </pc:sldMkLst>
+        <pc:spChg chg="mod">
+          <ac:chgData name="Al Rodriguez" userId="b48bf10617e0a040" providerId="Windows Live" clId="Web-{92D567F2-E0F6-4B65-BBE4-A5B35966932F}" dt="2022-01-19T02:27:22.786" v="317" actId="20577"/>
+          <ac:spMkLst>
+            <pc:docMk/>
+            <pc:sldMk cId="3707992756" sldId="259"/>
+            <ac:spMk id="3" creationId="{888F617A-B863-4C0A-A922-C77ACDFE9D6E}"/>
+          </ac:spMkLst>
+        </pc:spChg>
+      </pc:sldChg>
+      <pc:sldChg chg="ord">
+        <pc:chgData name="Al Rodriguez" userId="b48bf10617e0a040" providerId="Windows Live" clId="Web-{92D567F2-E0F6-4B65-BBE4-A5B35966932F}" dt="2022-01-19T01:26:05.698" v="63"/>
+        <pc:sldMkLst>
+          <pc:docMk/>
+          <pc:sldMk cId="254804805" sldId="260"/>
+        </pc:sldMkLst>
+      </pc:sldChg>
+      <pc:sldChg chg="modSp">
+        <pc:chgData name="Al Rodriguez" userId="b48bf10617e0a040" providerId="Windows Live" clId="Web-{92D567F2-E0F6-4B65-BBE4-A5B35966932F}" dt="2022-01-19T01:46:10.576" v="115" actId="20577"/>
+        <pc:sldMkLst>
+          <pc:docMk/>
+          <pc:sldMk cId="3706084868" sldId="263"/>
+        </pc:sldMkLst>
+        <pc:spChg chg="mod">
+          <ac:chgData name="Al Rodriguez" userId="b48bf10617e0a040" providerId="Windows Live" clId="Web-{92D567F2-E0F6-4B65-BBE4-A5B35966932F}" dt="2022-01-19T01:46:10.576" v="115" actId="20577"/>
+          <ac:spMkLst>
+            <pc:docMk/>
+            <pc:sldMk cId="3706084868" sldId="263"/>
+            <ac:spMk id="3" creationId="{EF2C3A82-07A2-4403-B254-47F68AF8D1B3}"/>
+          </ac:spMkLst>
+        </pc:spChg>
+      </pc:sldChg>
+      <pc:sldChg chg="addSp modSp new mod setBg">
+        <pc:chgData name="Al Rodriguez" userId="b48bf10617e0a040" providerId="Windows Live" clId="Web-{92D567F2-E0F6-4B65-BBE4-A5B35966932F}" dt="2022-01-19T01:53:14.884" v="199" actId="20577"/>
+        <pc:sldMkLst>
+          <pc:docMk/>
+          <pc:sldMk cId="1849650219" sldId="268"/>
+        </pc:sldMkLst>
+        <pc:spChg chg="mod">
+          <ac:chgData name="Al Rodriguez" userId="b48bf10617e0a040" providerId="Windows Live" clId="Web-{92D567F2-E0F6-4B65-BBE4-A5B35966932F}" dt="2022-01-19T01:53:14.884" v="199" actId="20577"/>
+          <ac:spMkLst>
+            <pc:docMk/>
+            <pc:sldMk cId="1849650219" sldId="268"/>
+            <ac:spMk id="2" creationId="{8C38CB9A-C21B-42F6-B3C6-6CD046B58DC4}"/>
+          </ac:spMkLst>
+        </pc:spChg>
+        <pc:spChg chg="mod">
+          <ac:chgData name="Al Rodriguez" userId="b48bf10617e0a040" providerId="Windows Live" clId="Web-{92D567F2-E0F6-4B65-BBE4-A5B35966932F}" dt="2022-01-19T01:41:05.927" v="96" actId="20577"/>
+          <ac:spMkLst>
+            <pc:docMk/>
+            <pc:sldMk cId="1849650219" sldId="268"/>
+            <ac:spMk id="3" creationId="{EFF0902F-F7B9-4AE6-B686-7EC9973C0C6D}"/>
+          </ac:spMkLst>
+        </pc:spChg>
+        <pc:spChg chg="add">
+          <ac:chgData name="Al Rodriguez" userId="b48bf10617e0a040" providerId="Windows Live" clId="Web-{92D567F2-E0F6-4B65-BBE4-A5B35966932F}" dt="2022-01-19T01:22:02.081" v="34"/>
+          <ac:spMkLst>
+            <pc:docMk/>
+            <pc:sldMk cId="1849650219" sldId="268"/>
+            <ac:spMk id="9" creationId="{2B566528-1B12-4246-9431-5C2D7D081168}"/>
+          </ac:spMkLst>
+        </pc:spChg>
+        <pc:grpChg chg="add">
+          <ac:chgData name="Al Rodriguez" userId="b48bf10617e0a040" providerId="Windows Live" clId="Web-{92D567F2-E0F6-4B65-BBE4-A5B35966932F}" dt="2022-01-19T01:22:02.081" v="34"/>
+          <ac:grpSpMkLst>
+            <pc:docMk/>
+            <pc:sldMk cId="1849650219" sldId="268"/>
+            <ac:grpSpMk id="11" creationId="{828A5161-06F1-46CF-8AD7-844680A59E13}"/>
+          </ac:grpSpMkLst>
+        </pc:grpChg>
+        <pc:grpChg chg="add">
+          <ac:chgData name="Al Rodriguez" userId="b48bf10617e0a040" providerId="Windows Live" clId="Web-{92D567F2-E0F6-4B65-BBE4-A5B35966932F}" dt="2022-01-19T01:22:02.081" v="34"/>
+          <ac:grpSpMkLst>
+            <pc:docMk/>
+            <pc:sldMk cId="1849650219" sldId="268"/>
+            <ac:grpSpMk id="15" creationId="{5995D10D-E9C9-47DB-AE7E-801FEF38F5C9}"/>
+          </ac:grpSpMkLst>
+        </pc:grpChg>
+        <pc:picChg chg="add mod">
+          <ac:chgData name="Al Rodriguez" userId="b48bf10617e0a040" providerId="Windows Live" clId="Web-{92D567F2-E0F6-4B65-BBE4-A5B35966932F}" dt="2022-01-19T01:22:02.081" v="34"/>
+          <ac:picMkLst>
+            <pc:docMk/>
+            <pc:sldMk cId="1849650219" sldId="268"/>
+            <ac:picMk id="4" creationId="{4413E16F-1901-4092-8AF2-9BB0EEACFEE9}"/>
+          </ac:picMkLst>
+        </pc:picChg>
+      </pc:sldChg>
+      <pc:sldChg chg="modSp new ord">
+        <pc:chgData name="Al Rodriguez" userId="b48bf10617e0a040" providerId="Windows Live" clId="Web-{92D567F2-E0F6-4B65-BBE4-A5B35966932F}" dt="2022-01-19T01:53:39.150" v="224" actId="20577"/>
+        <pc:sldMkLst>
+          <pc:docMk/>
+          <pc:sldMk cId="3424146734" sldId="269"/>
+        </pc:sldMkLst>
+        <pc:spChg chg="mod">
+          <ac:chgData name="Al Rodriguez" userId="b48bf10617e0a040" providerId="Windows Live" clId="Web-{92D567F2-E0F6-4B65-BBE4-A5B35966932F}" dt="2022-01-19T01:49:23.253" v="134" actId="20577"/>
+          <ac:spMkLst>
+            <pc:docMk/>
+            <pc:sldMk cId="3424146734" sldId="269"/>
+            <ac:spMk id="2" creationId="{14B7BC6A-6808-4222-82C8-87E4352A29C1}"/>
+          </ac:spMkLst>
+        </pc:spChg>
+        <pc:spChg chg="mod">
+          <ac:chgData name="Al Rodriguez" userId="b48bf10617e0a040" providerId="Windows Live" clId="Web-{92D567F2-E0F6-4B65-BBE4-A5B35966932F}" dt="2022-01-19T01:53:39.150" v="224" actId="20577"/>
+          <ac:spMkLst>
+            <pc:docMk/>
+            <pc:sldMk cId="3424146734" sldId="269"/>
+            <ac:spMk id="3" creationId="{1E8D6FD6-F9F4-4D2D-8B72-E5F94803EFCD}"/>
+          </ac:spMkLst>
+        </pc:spChg>
+      </pc:sldChg>
+      <pc:sldChg chg="modSp new">
+        <pc:chgData name="Al Rodriguez" userId="b48bf10617e0a040" providerId="Windows Live" clId="Web-{92D567F2-E0F6-4B65-BBE4-A5B35966932F}" dt="2022-01-19T02:56:51.555" v="426" actId="20577"/>
+        <pc:sldMkLst>
+          <pc:docMk/>
+          <pc:sldMk cId="3471260418" sldId="270"/>
+        </pc:sldMkLst>
+        <pc:spChg chg="mod">
+          <ac:chgData name="Al Rodriguez" userId="b48bf10617e0a040" providerId="Windows Live" clId="Web-{92D567F2-E0F6-4B65-BBE4-A5B35966932F}" dt="2022-01-19T02:46:21.335" v="384" actId="20577"/>
+          <ac:spMkLst>
+            <pc:docMk/>
+            <pc:sldMk cId="3471260418" sldId="270"/>
+            <ac:spMk id="2" creationId="{5369EA68-26A9-466B-95A9-20222ACC407A}"/>
+          </ac:spMkLst>
+        </pc:spChg>
+        <pc:spChg chg="mod">
+          <ac:chgData name="Al Rodriguez" userId="b48bf10617e0a040" providerId="Windows Live" clId="Web-{92D567F2-E0F6-4B65-BBE4-A5B35966932F}" dt="2022-01-19T02:56:51.555" v="426" actId="20577"/>
+          <ac:spMkLst>
+            <pc:docMk/>
+            <pc:sldMk cId="3471260418" sldId="270"/>
+            <ac:spMk id="3" creationId="{2F4AD995-5673-4C25-AE20-F46079D47E7C}"/>
+          </ac:spMkLst>
+        </pc:spChg>
+      </pc:sldChg>
+      <pc:sldChg chg="new">
+        <pc:chgData name="Al Rodriguez" userId="b48bf10617e0a040" providerId="Windows Live" clId="Web-{92D567F2-E0F6-4B65-BBE4-A5B35966932F}" dt="2022-01-19T01:11:31.033" v="3"/>
         <pc:sldMkLst>
           <pc:docMk/>
           <pc:sldMk cId="3104219159" sldId="271"/>
         </pc:sldMkLst>
+      </pc:sldChg>
+      <pc:sldChg chg="new">
+        <pc:chgData name="Al Rodriguez" userId="b48bf10617e0a040" providerId="Windows Live" clId="Web-{92D567F2-E0F6-4B65-BBE4-A5B35966932F}" dt="2022-01-19T01:11:31.330" v="4"/>
+        <pc:sldMkLst>
+          <pc:docMk/>
+          <pc:sldMk cId="2981593132" sldId="272"/>
+        </pc:sldMkLst>
+      </pc:sldChg>
+      <pc:sldChg chg="modSp new">
+        <pc:chgData name="Al Rodriguez" userId="b48bf10617e0a040" providerId="Windows Live" clId="Web-{92D567F2-E0F6-4B65-BBE4-A5B35966932F}" dt="2022-01-19T02:46:18.897" v="383" actId="20577"/>
+        <pc:sldMkLst>
+          <pc:docMk/>
+          <pc:sldMk cId="180141539" sldId="273"/>
+        </pc:sldMkLst>
         <pc:spChg chg="mod">
-          <ac:chgData name="Al Rodriguez" userId="b48bf10617e0a040" providerId="Windows Live" clId="Web-{B5F2BE93-F00A-49EF-A44A-74F9AECCDE5A}" dt="2022-01-20T00:39:23.594" v="1" actId="20577"/>
-          <ac:spMkLst>
-            <pc:docMk/>
-            <pc:sldMk cId="3104219159" sldId="271"/>
-            <ac:spMk id="2" creationId="{D961B148-E1D3-4FC7-95C2-7546CF45C4CA}"/>
+          <ac:chgData name="Al Rodriguez" userId="b48bf10617e0a040" providerId="Windows Live" clId="Web-{92D567F2-E0F6-4B65-BBE4-A5B35966932F}" dt="2022-01-19T02:35:51.239" v="330" actId="20577"/>
+          <ac:spMkLst>
+            <pc:docMk/>
+            <pc:sldMk cId="180141539" sldId="273"/>
+            <ac:spMk id="2" creationId="{CD11E7AE-4D03-43B7-9A8C-E4A1E5A7D12E}"/>
           </ac:spMkLst>
         </pc:spChg>
         <pc:spChg chg="mod">
-          <ac:chgData name="Al Rodriguez" userId="b48bf10617e0a040" providerId="Windows Live" clId="Web-{B5F2BE93-F00A-49EF-A44A-74F9AECCDE5A}" dt="2022-01-20T01:46:59.587" v="142" actId="20577"/>
-          <ac:spMkLst>
-            <pc:docMk/>
-            <pc:sldMk cId="3104219159" sldId="271"/>
-            <ac:spMk id="3" creationId="{5A8418ED-0057-47F3-8906-9048C70743F8}"/>
+          <ac:chgData name="Al Rodriguez" userId="b48bf10617e0a040" providerId="Windows Live" clId="Web-{92D567F2-E0F6-4B65-BBE4-A5B35966932F}" dt="2022-01-19T02:46:18.897" v="383" actId="20577"/>
+          <ac:spMkLst>
+            <pc:docMk/>
+            <pc:sldMk cId="180141539" sldId="273"/>
+            <ac:spMk id="3" creationId="{EC7E6CD4-4CBE-4AE9-9D95-E53761BC3CFB}"/>
           </ac:spMkLst>
         </pc:spChg>
       </pc:sldChg>
-      <pc:sldChg chg="modSp">
-        <pc:chgData name="Al Rodriguez" userId="b48bf10617e0a040" providerId="Windows Live" clId="Web-{B5F2BE93-F00A-49EF-A44A-74F9AECCDE5A}" dt="2022-01-20T01:35:35.042" v="63" actId="20577"/>
+      <pc:sldChg chg="new">
+        <pc:chgData name="Al Rodriguez" userId="b48bf10617e0a040" providerId="Windows Live" clId="Web-{92D567F2-E0F6-4B65-BBE4-A5B35966932F}" dt="2022-01-19T02:56:52.805" v="427"/>
         <pc:sldMkLst>
           <pc:docMk/>
           <pc:sldMk cId="2790595157" sldId="274"/>
         </pc:sldMkLst>
+      </pc:sldChg>
+      <pc:sldChg chg="new">
+        <pc:chgData name="Al Rodriguez" userId="b48bf10617e0a040" providerId="Windows Live" clId="Web-{92D567F2-E0F6-4B65-BBE4-A5B35966932F}" dt="2022-01-19T02:56:53.211" v="428"/>
+        <pc:sldMkLst>
+          <pc:docMk/>
+          <pc:sldMk cId="2018038834" sldId="275"/>
+        </pc:sldMkLst>
+      </pc:sldChg>
+      <pc:sldChg chg="new">
+        <pc:chgData name="Al Rodriguez" userId="b48bf10617e0a040" providerId="Windows Live" clId="Web-{92D567F2-E0F6-4B65-BBE4-A5B35966932F}" dt="2022-01-19T02:56:53.243" v="429"/>
+        <pc:sldMkLst>
+          <pc:docMk/>
+          <pc:sldMk cId="2951701272" sldId="276"/>
+        </pc:sldMkLst>
+      </pc:sldChg>
+      <pc:sldChg chg="modSp new">
+        <pc:chgData name="Al Rodriguez" userId="b48bf10617e0a040" providerId="Windows Live" clId="Web-{92D567F2-E0F6-4B65-BBE4-A5B35966932F}" dt="2022-01-19T03:02:19.861" v="459" actId="20577"/>
+        <pc:sldMkLst>
+          <pc:docMk/>
+          <pc:sldMk cId="4131685222" sldId="277"/>
+        </pc:sldMkLst>
         <pc:spChg chg="mod">
-          <ac:chgData name="Al Rodriguez" userId="b48bf10617e0a040" providerId="Windows Live" clId="Web-{B5F2BE93-F00A-49EF-A44A-74F9AECCDE5A}" dt="2022-01-20T00:39:28.672" v="6" actId="20577"/>
-          <ac:spMkLst>
-            <pc:docMk/>
-            <pc:sldMk cId="2790595157" sldId="274"/>
-            <ac:spMk id="2" creationId="{7821F850-3259-45AB-B445-19F6DEB2F460}"/>
+          <ac:chgData name="Al Rodriguez" userId="b48bf10617e0a040" providerId="Windows Live" clId="Web-{92D567F2-E0F6-4B65-BBE4-A5B35966932F}" dt="2022-01-19T03:01:40.970" v="435" actId="20577"/>
+          <ac:spMkLst>
+            <pc:docMk/>
+            <pc:sldMk cId="4131685222" sldId="277"/>
+            <ac:spMk id="2" creationId="{BFD388F6-64A4-4B86-B748-B06409B0DF3F}"/>
           </ac:spMkLst>
         </pc:spChg>
         <pc:spChg chg="mod">
-          <ac:chgData name="Al Rodriguez" userId="b48bf10617e0a040" providerId="Windows Live" clId="Web-{B5F2BE93-F00A-49EF-A44A-74F9AECCDE5A}" dt="2022-01-20T01:35:35.042" v="63" actId="20577"/>
-          <ac:spMkLst>
-            <pc:docMk/>
-            <pc:sldMk cId="2790595157" sldId="274"/>
-            <ac:spMk id="3" creationId="{F090F482-D416-4362-BF85-3A4CC08D0FB6}"/>
+          <ac:chgData name="Al Rodriguez" userId="b48bf10617e0a040" providerId="Windows Live" clId="Web-{92D567F2-E0F6-4B65-BBE4-A5B35966932F}" dt="2022-01-19T03:02:19.861" v="459" actId="20577"/>
+          <ac:spMkLst>
+            <pc:docMk/>
+            <pc:sldMk cId="4131685222" sldId="277"/>
+            <ac:spMk id="3" creationId="{D37A2B9D-25B9-49E8-9B97-97627A2C36CC}"/>
+          </ac:spMkLst>
+        </pc:spChg>
+      </pc:sldChg>
+    </pc:docChg>
+  </pc:docChgLst>
+  <pc:docChgLst>
+    <pc:chgData name="Al Rodriguez" userId="b48bf10617e0a040" providerId="Windows Live" clId="Web-{581F9E22-72DB-4A8B-A1B5-003466C0086A}"/>
+    <pc:docChg chg="addSld modSld">
+      <pc:chgData name="Al Rodriguez" userId="b48bf10617e0a040" providerId="Windows Live" clId="Web-{581F9E22-72DB-4A8B-A1B5-003466C0086A}" dt="2022-01-29T17:13:51.924" v="1" actId="20577"/>
+      <pc:docMkLst>
+        <pc:docMk/>
+      </pc:docMkLst>
+      <pc:sldChg chg="modSp new">
+        <pc:chgData name="Al Rodriguez" userId="b48bf10617e0a040" providerId="Windows Live" clId="Web-{581F9E22-72DB-4A8B-A1B5-003466C0086A}" dt="2022-01-29T17:13:51.924" v="1" actId="20577"/>
+        <pc:sldMkLst>
+          <pc:docMk/>
+          <pc:sldMk cId="1438276001" sldId="287"/>
+        </pc:sldMkLst>
+        <pc:spChg chg="mod">
+          <ac:chgData name="Al Rodriguez" userId="b48bf10617e0a040" providerId="Windows Live" clId="Web-{581F9E22-72DB-4A8B-A1B5-003466C0086A}" dt="2022-01-29T17:13:51.924" v="1" actId="20577"/>
+          <ac:spMkLst>
+            <pc:docMk/>
+            <pc:sldMk cId="1438276001" sldId="287"/>
+            <ac:spMk id="2" creationId="{4B7FA174-29F3-437B-8199-DB776A3DC753}"/>
           </ac:spMkLst>
         </pc:spChg>
       </pc:sldChg>
@@ -2269,6 +1666,609 @@
           <pc:docMk/>
           <pc:sldMk cId="1438276001" sldId="287"/>
         </pc:sldMkLst>
+      </pc:sldChg>
+    </pc:docChg>
+  </pc:docChgLst>
+  <pc:docChgLst>
+    <pc:chgData name="Al Rodriguez" userId="b48bf10617e0a040" providerId="Windows Live" clId="Web-{236E1307-A89A-4F07-A2CF-CE141D3B5FC9}"/>
+    <pc:docChg chg="modSld">
+      <pc:chgData name="Al Rodriguez" userId="b48bf10617e0a040" providerId="Windows Live" clId="Web-{236E1307-A89A-4F07-A2CF-CE141D3B5FC9}" dt="2022-01-23T22:42:51.798" v="85" actId="20577"/>
+      <pc:docMkLst>
+        <pc:docMk/>
+      </pc:docMkLst>
+      <pc:sldChg chg="modSp">
+        <pc:chgData name="Al Rodriguez" userId="b48bf10617e0a040" providerId="Windows Live" clId="Web-{236E1307-A89A-4F07-A2CF-CE141D3B5FC9}" dt="2022-01-23T22:41:11.889" v="23" actId="20577"/>
+        <pc:sldMkLst>
+          <pc:docMk/>
+          <pc:sldMk cId="2981593132" sldId="272"/>
+        </pc:sldMkLst>
+        <pc:spChg chg="mod">
+          <ac:chgData name="Al Rodriguez" userId="b48bf10617e0a040" providerId="Windows Live" clId="Web-{236E1307-A89A-4F07-A2CF-CE141D3B5FC9}" dt="2022-01-23T22:41:11.889" v="23" actId="20577"/>
+          <ac:spMkLst>
+            <pc:docMk/>
+            <pc:sldMk cId="2981593132" sldId="272"/>
+            <ac:spMk id="3" creationId="{ABCFDFC0-3B9D-45E2-8590-44185EA2DC4B}"/>
+          </ac:spMkLst>
+        </pc:spChg>
+      </pc:sldChg>
+      <pc:sldChg chg="addSp delSp modSp mod setBg">
+        <pc:chgData name="Al Rodriguez" userId="b48bf10617e0a040" providerId="Windows Live" clId="Web-{236E1307-A89A-4F07-A2CF-CE141D3B5FC9}" dt="2022-01-23T22:42:31.532" v="82"/>
+        <pc:sldMkLst>
+          <pc:docMk/>
+          <pc:sldMk cId="2018038834" sldId="275"/>
+        </pc:sldMkLst>
+        <pc:spChg chg="mod">
+          <ac:chgData name="Al Rodriguez" userId="b48bf10617e0a040" providerId="Windows Live" clId="Web-{236E1307-A89A-4F07-A2CF-CE141D3B5FC9}" dt="2022-01-23T22:42:31.532" v="82"/>
+          <ac:spMkLst>
+            <pc:docMk/>
+            <pc:sldMk cId="2018038834" sldId="275"/>
+            <ac:spMk id="2" creationId="{F37A148A-689A-4D1B-B57B-049F95DC5352}"/>
+          </ac:spMkLst>
+        </pc:spChg>
+        <pc:spChg chg="del">
+          <ac:chgData name="Al Rodriguez" userId="b48bf10617e0a040" providerId="Windows Live" clId="Web-{236E1307-A89A-4F07-A2CF-CE141D3B5FC9}" dt="2022-01-23T22:41:13.639" v="24"/>
+          <ac:spMkLst>
+            <pc:docMk/>
+            <pc:sldMk cId="2018038834" sldId="275"/>
+            <ac:spMk id="3" creationId="{02561C2C-5EDF-4201-93E2-EFF7DD16DB81}"/>
+          </ac:spMkLst>
+        </pc:spChg>
+        <pc:spChg chg="add del">
+          <ac:chgData name="Al Rodriguez" userId="b48bf10617e0a040" providerId="Windows Live" clId="Web-{236E1307-A89A-4F07-A2CF-CE141D3B5FC9}" dt="2022-01-23T22:41:30.124" v="26"/>
+          <ac:spMkLst>
+            <pc:docMk/>
+            <pc:sldMk cId="2018038834" sldId="275"/>
+            <ac:spMk id="8" creationId="{8C27CB49-E320-4134-95C8-06CA5186D944}"/>
+          </ac:spMkLst>
+        </pc:spChg>
+        <pc:spChg chg="add del">
+          <ac:chgData name="Al Rodriguez" userId="b48bf10617e0a040" providerId="Windows Live" clId="Web-{236E1307-A89A-4F07-A2CF-CE141D3B5FC9}" dt="2022-01-23T22:41:37.609" v="30"/>
+          <ac:spMkLst>
+            <pc:docMk/>
+            <pc:sldMk cId="2018038834" sldId="275"/>
+            <ac:spMk id="9" creationId="{D4771268-CB57-404A-9271-370EB28F6090}"/>
+          </ac:spMkLst>
+        </pc:spChg>
+        <pc:spChg chg="add del">
+          <ac:chgData name="Al Rodriguez" userId="b48bf10617e0a040" providerId="Windows Live" clId="Web-{236E1307-A89A-4F07-A2CF-CE141D3B5FC9}" dt="2022-01-23T22:41:30.124" v="26"/>
+          <ac:spMkLst>
+            <pc:docMk/>
+            <pc:sldMk cId="2018038834" sldId="275"/>
+            <ac:spMk id="11" creationId="{FF9B822F-893E-44C8-963C-64F50ACECBB2}"/>
+          </ac:spMkLst>
+        </pc:spChg>
+        <pc:spChg chg="add del">
+          <ac:chgData name="Al Rodriguez" userId="b48bf10617e0a040" providerId="Windows Live" clId="Web-{236E1307-A89A-4F07-A2CF-CE141D3B5FC9}" dt="2022-01-23T22:42:31.532" v="82"/>
+          <ac:spMkLst>
+            <pc:docMk/>
+            <pc:sldMk cId="2018038834" sldId="275"/>
+            <ac:spMk id="12" creationId="{FF9B822F-893E-44C8-963C-64F50ACECBB2}"/>
+          </ac:spMkLst>
+        </pc:spChg>
+        <pc:spChg chg="add del">
+          <ac:chgData name="Al Rodriguez" userId="b48bf10617e0a040" providerId="Windows Live" clId="Web-{236E1307-A89A-4F07-A2CF-CE141D3B5FC9}" dt="2022-01-23T22:41:30.124" v="26"/>
+          <ac:spMkLst>
+            <pc:docMk/>
+            <pc:sldMk cId="2018038834" sldId="275"/>
+            <ac:spMk id="13" creationId="{EBF87945-A001-489F-9D9B-7D9435F0B9CA}"/>
+          </ac:spMkLst>
+        </pc:spChg>
+        <pc:spChg chg="add del">
+          <ac:chgData name="Al Rodriguez" userId="b48bf10617e0a040" providerId="Windows Live" clId="Web-{236E1307-A89A-4F07-A2CF-CE141D3B5FC9}" dt="2022-01-23T22:42:31.532" v="82"/>
+          <ac:spMkLst>
+            <pc:docMk/>
+            <pc:sldMk cId="2018038834" sldId="275"/>
+            <ac:spMk id="14" creationId="{EBF87945-A001-489F-9D9B-7D9435F0B9CA}"/>
+          </ac:spMkLst>
+        </pc:spChg>
+        <pc:spChg chg="add del">
+          <ac:chgData name="Al Rodriguez" userId="b48bf10617e0a040" providerId="Windows Live" clId="Web-{236E1307-A89A-4F07-A2CF-CE141D3B5FC9}" dt="2022-01-23T22:41:35.233" v="28"/>
+          <ac:spMkLst>
+            <pc:docMk/>
+            <pc:sldMk cId="2018038834" sldId="275"/>
+            <ac:spMk id="15" creationId="{2B97F24A-32CE-4C1C-A50D-3016B394DCFB}"/>
+          </ac:spMkLst>
+        </pc:spChg>
+        <pc:spChg chg="add del">
+          <ac:chgData name="Al Rodriguez" userId="b48bf10617e0a040" providerId="Windows Live" clId="Web-{236E1307-A89A-4F07-A2CF-CE141D3B5FC9}" dt="2022-01-23T22:41:35.233" v="28"/>
+          <ac:spMkLst>
+            <pc:docMk/>
+            <pc:sldMk cId="2018038834" sldId="275"/>
+            <ac:spMk id="16" creationId="{CD8B4F24-440B-49E9-B85D-733523DC064B}"/>
+          </ac:spMkLst>
+        </pc:spChg>
+        <pc:spChg chg="add del">
+          <ac:chgData name="Al Rodriguez" userId="b48bf10617e0a040" providerId="Windows Live" clId="Web-{236E1307-A89A-4F07-A2CF-CE141D3B5FC9}" dt="2022-01-23T22:41:35.233" v="28"/>
+          <ac:spMkLst>
+            <pc:docMk/>
+            <pc:sldMk cId="2018038834" sldId="275"/>
+            <ac:spMk id="17" creationId="{EA06B40C-125C-4D3A-A9CE-DC0991642B79}"/>
+          </ac:spMkLst>
+        </pc:spChg>
+        <pc:spChg chg="add mod">
+          <ac:chgData name="Al Rodriguez" userId="b48bf10617e0a040" providerId="Windows Live" clId="Web-{236E1307-A89A-4F07-A2CF-CE141D3B5FC9}" dt="2022-01-23T22:42:31.532" v="82"/>
+          <ac:spMkLst>
+            <pc:docMk/>
+            <pc:sldMk cId="2018038834" sldId="275"/>
+            <ac:spMk id="18" creationId="{8C27CB49-E320-4134-95C8-06CA5186D944}"/>
+          </ac:spMkLst>
+        </pc:spChg>
+        <pc:spChg chg="add del">
+          <ac:chgData name="Al Rodriguez" userId="b48bf10617e0a040" providerId="Windows Live" clId="Web-{236E1307-A89A-4F07-A2CF-CE141D3B5FC9}" dt="2022-01-23T22:42:25.766" v="77"/>
+          <ac:spMkLst>
+            <pc:docMk/>
+            <pc:sldMk cId="2018038834" sldId="275"/>
+            <ac:spMk id="23" creationId="{C232B152-3720-4D3B-97ED-45CE5483F16F}"/>
+          </ac:spMkLst>
+        </pc:spChg>
+        <pc:spChg chg="add del">
+          <ac:chgData name="Al Rodriguez" userId="b48bf10617e0a040" providerId="Windows Live" clId="Web-{236E1307-A89A-4F07-A2CF-CE141D3B5FC9}" dt="2022-01-23T22:42:25.766" v="77"/>
+          <ac:spMkLst>
+            <pc:docMk/>
+            <pc:sldMk cId="2018038834" sldId="275"/>
+            <ac:spMk id="25" creationId="{11BAB570-FF10-4E96-8A3F-FA9804702B89}"/>
+          </ac:spMkLst>
+        </pc:spChg>
+        <pc:spChg chg="add del">
+          <ac:chgData name="Al Rodriguez" userId="b48bf10617e0a040" providerId="Windows Live" clId="Web-{236E1307-A89A-4F07-A2CF-CE141D3B5FC9}" dt="2022-01-23T22:42:25.766" v="77"/>
+          <ac:spMkLst>
+            <pc:docMk/>
+            <pc:sldMk cId="2018038834" sldId="275"/>
+            <ac:spMk id="27" creationId="{4B9FAFB2-BEB5-4848-8018-BCAD99E2E1AA}"/>
+          </ac:spMkLst>
+        </pc:spChg>
+        <pc:spChg chg="add del">
+          <ac:chgData name="Al Rodriguez" userId="b48bf10617e0a040" providerId="Windows Live" clId="Web-{236E1307-A89A-4F07-A2CF-CE141D3B5FC9}" dt="2022-01-23T22:42:28.126" v="79"/>
+          <ac:spMkLst>
+            <pc:docMk/>
+            <pc:sldMk cId="2018038834" sldId="275"/>
+            <ac:spMk id="29" creationId="{73DE2CFE-42F2-48F0-8706-5264E012B10C}"/>
+          </ac:spMkLst>
+        </pc:spChg>
+        <pc:spChg chg="add del">
+          <ac:chgData name="Al Rodriguez" userId="b48bf10617e0a040" providerId="Windows Live" clId="Web-{236E1307-A89A-4F07-A2CF-CE141D3B5FC9}" dt="2022-01-23T22:42:31.532" v="81"/>
+          <ac:spMkLst>
+            <pc:docMk/>
+            <pc:sldMk cId="2018038834" sldId="275"/>
+            <ac:spMk id="31" creationId="{FF9B822F-893E-44C8-963C-64F50ACECBB2}"/>
+          </ac:spMkLst>
+        </pc:spChg>
+        <pc:spChg chg="add del">
+          <ac:chgData name="Al Rodriguez" userId="b48bf10617e0a040" providerId="Windows Live" clId="Web-{236E1307-A89A-4F07-A2CF-CE141D3B5FC9}" dt="2022-01-23T22:42:31.532" v="81"/>
+          <ac:spMkLst>
+            <pc:docMk/>
+            <pc:sldMk cId="2018038834" sldId="275"/>
+            <ac:spMk id="32" creationId="{EBF87945-A001-489F-9D9B-7D9435F0B9CA}"/>
+          </ac:spMkLst>
+        </pc:spChg>
+        <pc:spChg chg="add">
+          <ac:chgData name="Al Rodriguez" userId="b48bf10617e0a040" providerId="Windows Live" clId="Web-{236E1307-A89A-4F07-A2CF-CE141D3B5FC9}" dt="2022-01-23T22:42:31.532" v="82"/>
+          <ac:spMkLst>
+            <pc:docMk/>
+            <pc:sldMk cId="2018038834" sldId="275"/>
+            <ac:spMk id="34" creationId="{B5FA7C47-B7C1-4D2E-AB49-ED23BA34BA83}"/>
+          </ac:spMkLst>
+        </pc:spChg>
+        <pc:spChg chg="add">
+          <ac:chgData name="Al Rodriguez" userId="b48bf10617e0a040" providerId="Windows Live" clId="Web-{236E1307-A89A-4F07-A2CF-CE141D3B5FC9}" dt="2022-01-23T22:42:31.532" v="82"/>
+          <ac:spMkLst>
+            <pc:docMk/>
+            <pc:sldMk cId="2018038834" sldId="275"/>
+            <ac:spMk id="35" creationId="{596EE156-ABF1-4329-A6BA-03B4254E0877}"/>
+          </ac:spMkLst>
+        </pc:spChg>
+        <pc:spChg chg="add">
+          <ac:chgData name="Al Rodriguez" userId="b48bf10617e0a040" providerId="Windows Live" clId="Web-{236E1307-A89A-4F07-A2CF-CE141D3B5FC9}" dt="2022-01-23T22:42:31.532" v="82"/>
+          <ac:spMkLst>
+            <pc:docMk/>
+            <pc:sldMk cId="2018038834" sldId="275"/>
+            <ac:spMk id="36" creationId="{19B9933F-AAB3-444A-8BB5-9CA194A8BC63}"/>
+          </ac:spMkLst>
+        </pc:spChg>
+        <pc:spChg chg="add">
+          <ac:chgData name="Al Rodriguez" userId="b48bf10617e0a040" providerId="Windows Live" clId="Web-{236E1307-A89A-4F07-A2CF-CE141D3B5FC9}" dt="2022-01-23T22:42:31.532" v="82"/>
+          <ac:spMkLst>
+            <pc:docMk/>
+            <pc:sldMk cId="2018038834" sldId="275"/>
+            <ac:spMk id="37" creationId="{7D20183A-0B1D-4A1F-89B1-ADBEDBC6E54E}"/>
+          </ac:spMkLst>
+        </pc:spChg>
+        <pc:spChg chg="add">
+          <ac:chgData name="Al Rodriguez" userId="b48bf10617e0a040" providerId="Windows Live" clId="Web-{236E1307-A89A-4F07-A2CF-CE141D3B5FC9}" dt="2022-01-23T22:42:31.532" v="82"/>
+          <ac:spMkLst>
+            <pc:docMk/>
+            <pc:sldMk cId="2018038834" sldId="275"/>
+            <ac:spMk id="38" creationId="{131031D3-26CD-4214-A9A4-5857EFA15A0C}"/>
+          </ac:spMkLst>
+        </pc:spChg>
+        <pc:picChg chg="add mod ord">
+          <ac:chgData name="Al Rodriguez" userId="b48bf10617e0a040" providerId="Windows Live" clId="Web-{236E1307-A89A-4F07-A2CF-CE141D3B5FC9}" dt="2022-01-23T22:42:31.532" v="82"/>
+          <ac:picMkLst>
+            <pc:docMk/>
+            <pc:sldMk cId="2018038834" sldId="275"/>
+            <ac:picMk id="4" creationId="{10DEC90C-3E5D-4F0E-839A-06247B691FCE}"/>
+          </ac:picMkLst>
+        </pc:picChg>
+      </pc:sldChg>
+      <pc:sldChg chg="modSp">
+        <pc:chgData name="Al Rodriguez" userId="b48bf10617e0a040" providerId="Windows Live" clId="Web-{236E1307-A89A-4F07-A2CF-CE141D3B5FC9}" dt="2022-01-23T22:42:51.798" v="85" actId="20577"/>
+        <pc:sldMkLst>
+          <pc:docMk/>
+          <pc:sldMk cId="468657460" sldId="279"/>
+        </pc:sldMkLst>
+        <pc:spChg chg="mod">
+          <ac:chgData name="Al Rodriguez" userId="b48bf10617e0a040" providerId="Windows Live" clId="Web-{236E1307-A89A-4F07-A2CF-CE141D3B5FC9}" dt="2022-01-23T22:42:51.798" v="85" actId="20577"/>
+          <ac:spMkLst>
+            <pc:docMk/>
+            <pc:sldMk cId="468657460" sldId="279"/>
+            <ac:spMk id="3" creationId="{130F00FD-2381-4F19-AB9F-EDB5D4C28071}"/>
+          </ac:spMkLst>
+        </pc:spChg>
+      </pc:sldChg>
+    </pc:docChg>
+  </pc:docChgLst>
+  <pc:docChgLst>
+    <pc:chgData name="Al Rodriguez" userId="b48bf10617e0a040" providerId="Windows Live" clId="Web-{EA519139-C4BA-4A01-9098-27FB052DFC69}"/>
+    <pc:docChg chg="addSld modSld">
+      <pc:chgData name="Al Rodriguez" userId="b48bf10617e0a040" providerId="Windows Live" clId="Web-{EA519139-C4BA-4A01-9098-27FB052DFC69}" dt="2022-01-12T01:12:10.934" v="352" actId="20577"/>
+      <pc:docMkLst>
+        <pc:docMk/>
+      </pc:docMkLst>
+      <pc:sldChg chg="modSp">
+        <pc:chgData name="Al Rodriguez" userId="b48bf10617e0a040" providerId="Windows Live" clId="Web-{EA519139-C4BA-4A01-9098-27FB052DFC69}" dt="2022-01-12T00:41:38.603" v="15" actId="20577"/>
+        <pc:sldMkLst>
+          <pc:docMk/>
+          <pc:sldMk cId="109857222" sldId="256"/>
+        </pc:sldMkLst>
+        <pc:spChg chg="mod">
+          <ac:chgData name="Al Rodriguez" userId="b48bf10617e0a040" providerId="Windows Live" clId="Web-{EA519139-C4BA-4A01-9098-27FB052DFC69}" dt="2022-01-12T00:41:38.603" v="15" actId="20577"/>
+          <ac:spMkLst>
+            <pc:docMk/>
+            <pc:sldMk cId="109857222" sldId="256"/>
+            <ac:spMk id="2" creationId="{00000000-0000-0000-0000-000000000000}"/>
+          </ac:spMkLst>
+        </pc:spChg>
+      </pc:sldChg>
+      <pc:sldChg chg="modSp new">
+        <pc:chgData name="Al Rodriguez" userId="b48bf10617e0a040" providerId="Windows Live" clId="Web-{EA519139-C4BA-4A01-9098-27FB052DFC69}" dt="2022-01-12T01:07:37.819" v="71" actId="20577"/>
+        <pc:sldMkLst>
+          <pc:docMk/>
+          <pc:sldMk cId="2477474540" sldId="257"/>
+        </pc:sldMkLst>
+        <pc:spChg chg="mod">
+          <ac:chgData name="Al Rodriguez" userId="b48bf10617e0a040" providerId="Windows Live" clId="Web-{EA519139-C4BA-4A01-9098-27FB052DFC69}" dt="2022-01-12T01:07:37.819" v="71" actId="20577"/>
+          <ac:spMkLst>
+            <pc:docMk/>
+            <pc:sldMk cId="2477474540" sldId="257"/>
+            <ac:spMk id="2" creationId="{A0AA5E6E-496D-4B74-A5D0-1E6852535265}"/>
+          </ac:spMkLst>
+        </pc:spChg>
+        <pc:spChg chg="mod">
+          <ac:chgData name="Al Rodriguez" userId="b48bf10617e0a040" providerId="Windows Live" clId="Web-{EA519139-C4BA-4A01-9098-27FB052DFC69}" dt="2022-01-12T00:43:36.778" v="64" actId="20577"/>
+          <ac:spMkLst>
+            <pc:docMk/>
+            <pc:sldMk cId="2477474540" sldId="257"/>
+            <ac:spMk id="3" creationId="{AF471C18-2729-48C3-9C7B-48CEF5FDEC52}"/>
+          </ac:spMkLst>
+        </pc:spChg>
+      </pc:sldChg>
+      <pc:sldChg chg="modSp new">
+        <pc:chgData name="Al Rodriguez" userId="b48bf10617e0a040" providerId="Windows Live" clId="Web-{EA519139-C4BA-4A01-9098-27FB052DFC69}" dt="2022-01-12T01:08:45.867" v="162" actId="20577"/>
+        <pc:sldMkLst>
+          <pc:docMk/>
+          <pc:sldMk cId="4173770641" sldId="258"/>
+        </pc:sldMkLst>
+        <pc:spChg chg="mod">
+          <ac:chgData name="Al Rodriguez" userId="b48bf10617e0a040" providerId="Windows Live" clId="Web-{EA519139-C4BA-4A01-9098-27FB052DFC69}" dt="2022-01-12T01:07:46.709" v="90" actId="20577"/>
+          <ac:spMkLst>
+            <pc:docMk/>
+            <pc:sldMk cId="4173770641" sldId="258"/>
+            <ac:spMk id="2" creationId="{D223CBBB-0AEA-4914-8C1F-A17685BB5F2F}"/>
+          </ac:spMkLst>
+        </pc:spChg>
+        <pc:spChg chg="mod">
+          <ac:chgData name="Al Rodriguez" userId="b48bf10617e0a040" providerId="Windows Live" clId="Web-{EA519139-C4BA-4A01-9098-27FB052DFC69}" dt="2022-01-12T01:08:45.867" v="162" actId="20577"/>
+          <ac:spMkLst>
+            <pc:docMk/>
+            <pc:sldMk cId="4173770641" sldId="258"/>
+            <ac:spMk id="3" creationId="{28AB5419-5B6C-456A-AC00-D107B2D919F7}"/>
+          </ac:spMkLst>
+        </pc:spChg>
+      </pc:sldChg>
+      <pc:sldChg chg="new">
+        <pc:chgData name="Al Rodriguez" userId="b48bf10617e0a040" providerId="Windows Live" clId="Web-{EA519139-C4BA-4A01-9098-27FB052DFC69}" dt="2022-01-12T00:41:44.713" v="18"/>
+        <pc:sldMkLst>
+          <pc:docMk/>
+          <pc:sldMk cId="3707992756" sldId="259"/>
+        </pc:sldMkLst>
+      </pc:sldChg>
+      <pc:sldChg chg="new">
+        <pc:chgData name="Al Rodriguez" userId="b48bf10617e0a040" providerId="Windows Live" clId="Web-{EA519139-C4BA-4A01-9098-27FB052DFC69}" dt="2022-01-12T00:41:45.010" v="19"/>
+        <pc:sldMkLst>
+          <pc:docMk/>
+          <pc:sldMk cId="254804805" sldId="260"/>
+        </pc:sldMkLst>
+      </pc:sldChg>
+      <pc:sldChg chg="new">
+        <pc:chgData name="Al Rodriguez" userId="b48bf10617e0a040" providerId="Windows Live" clId="Web-{EA519139-C4BA-4A01-9098-27FB052DFC69}" dt="2022-01-12T00:41:45.166" v="20"/>
+        <pc:sldMkLst>
+          <pc:docMk/>
+          <pc:sldMk cId="514325161" sldId="261"/>
+        </pc:sldMkLst>
+      </pc:sldChg>
+      <pc:sldChg chg="modSp new">
+        <pc:chgData name="Al Rodriguez" userId="b48bf10617e0a040" providerId="Windows Live" clId="Web-{EA519139-C4BA-4A01-9098-27FB052DFC69}" dt="2022-01-12T01:11:27.574" v="306" actId="20577"/>
+        <pc:sldMkLst>
+          <pc:docMk/>
+          <pc:sldMk cId="1144451087" sldId="262"/>
+        </pc:sldMkLst>
+        <pc:spChg chg="mod">
+          <ac:chgData name="Al Rodriguez" userId="b48bf10617e0a040" providerId="Windows Live" clId="Web-{EA519139-C4BA-4A01-9098-27FB052DFC69}" dt="2022-01-12T01:08:51.226" v="168" actId="20577"/>
+          <ac:spMkLst>
+            <pc:docMk/>
+            <pc:sldMk cId="1144451087" sldId="262"/>
+            <ac:spMk id="2" creationId="{E081B867-DBE0-4520-A0A7-9E2AA4291385}"/>
+          </ac:spMkLst>
+        </pc:spChg>
+        <pc:spChg chg="mod">
+          <ac:chgData name="Al Rodriguez" userId="b48bf10617e0a040" providerId="Windows Live" clId="Web-{EA519139-C4BA-4A01-9098-27FB052DFC69}" dt="2022-01-12T01:11:27.574" v="306" actId="20577"/>
+          <ac:spMkLst>
+            <pc:docMk/>
+            <pc:sldMk cId="1144451087" sldId="262"/>
+            <ac:spMk id="3" creationId="{92899C1C-0A69-453D-B185-5C28285C43FC}"/>
+          </ac:spMkLst>
+        </pc:spChg>
+      </pc:sldChg>
+      <pc:sldChg chg="new">
+        <pc:chgData name="Al Rodriguez" userId="b48bf10617e0a040" providerId="Windows Live" clId="Web-{EA519139-C4BA-4A01-9098-27FB052DFC69}" dt="2022-01-12T01:09:27.087" v="183"/>
+        <pc:sldMkLst>
+          <pc:docMk/>
+          <pc:sldMk cId="3706084868" sldId="263"/>
+        </pc:sldMkLst>
+      </pc:sldChg>
+      <pc:sldChg chg="modSp new">
+        <pc:chgData name="Al Rodriguez" userId="b48bf10617e0a040" providerId="Windows Live" clId="Web-{EA519139-C4BA-4A01-9098-27FB052DFC69}" dt="2022-01-12T01:12:10.934" v="352" actId="20577"/>
+        <pc:sldMkLst>
+          <pc:docMk/>
+          <pc:sldMk cId="1514649996" sldId="264"/>
+        </pc:sldMkLst>
+        <pc:spChg chg="mod">
+          <ac:chgData name="Al Rodriguez" userId="b48bf10617e0a040" providerId="Windows Live" clId="Web-{EA519139-C4BA-4A01-9098-27FB052DFC69}" dt="2022-01-12T01:09:49.462" v="186" actId="20577"/>
+          <ac:spMkLst>
+            <pc:docMk/>
+            <pc:sldMk cId="1514649996" sldId="264"/>
+            <ac:spMk id="2" creationId="{CCEDD032-0774-4A17-A659-7EA6BDE3CE56}"/>
+          </ac:spMkLst>
+        </pc:spChg>
+        <pc:spChg chg="mod">
+          <ac:chgData name="Al Rodriguez" userId="b48bf10617e0a040" providerId="Windows Live" clId="Web-{EA519139-C4BA-4A01-9098-27FB052DFC69}" dt="2022-01-12T01:12:10.934" v="352" actId="20577"/>
+          <ac:spMkLst>
+            <pc:docMk/>
+            <pc:sldMk cId="1514649996" sldId="264"/>
+            <ac:spMk id="3" creationId="{C082AE43-A2DF-4C60-82B3-CB2639F256FB}"/>
+          </ac:spMkLst>
+        </pc:spChg>
+      </pc:sldChg>
+    </pc:docChg>
+  </pc:docChgLst>
+  <pc:docChgLst>
+    <pc:chgData name="Al Rodriguez" userId="b48bf10617e0a040" providerId="Windows Live" clId="Web-{B5F2BE93-F00A-49EF-A44A-74F9AECCDE5A}"/>
+    <pc:docChg chg="modSld">
+      <pc:chgData name="Al Rodriguez" userId="b48bf10617e0a040" providerId="Windows Live" clId="Web-{B5F2BE93-F00A-49EF-A44A-74F9AECCDE5A}" dt="2022-01-20T01:46:59.587" v="142" actId="20577"/>
+      <pc:docMkLst>
+        <pc:docMk/>
+      </pc:docMkLst>
+      <pc:sldChg chg="modSp">
+        <pc:chgData name="Al Rodriguez" userId="b48bf10617e0a040" providerId="Windows Live" clId="Web-{B5F2BE93-F00A-49EF-A44A-74F9AECCDE5A}" dt="2022-01-20T01:46:59.587" v="142" actId="20577"/>
+        <pc:sldMkLst>
+          <pc:docMk/>
+          <pc:sldMk cId="3104219159" sldId="271"/>
+        </pc:sldMkLst>
+        <pc:spChg chg="mod">
+          <ac:chgData name="Al Rodriguez" userId="b48bf10617e0a040" providerId="Windows Live" clId="Web-{B5F2BE93-F00A-49EF-A44A-74F9AECCDE5A}" dt="2022-01-20T00:39:23.594" v="1" actId="20577"/>
+          <ac:spMkLst>
+            <pc:docMk/>
+            <pc:sldMk cId="3104219159" sldId="271"/>
+            <ac:spMk id="2" creationId="{D961B148-E1D3-4FC7-95C2-7546CF45C4CA}"/>
+          </ac:spMkLst>
+        </pc:spChg>
+        <pc:spChg chg="mod">
+          <ac:chgData name="Al Rodriguez" userId="b48bf10617e0a040" providerId="Windows Live" clId="Web-{B5F2BE93-F00A-49EF-A44A-74F9AECCDE5A}" dt="2022-01-20T01:46:59.587" v="142" actId="20577"/>
+          <ac:spMkLst>
+            <pc:docMk/>
+            <pc:sldMk cId="3104219159" sldId="271"/>
+            <ac:spMk id="3" creationId="{5A8418ED-0057-47F3-8906-9048C70743F8}"/>
+          </ac:spMkLst>
+        </pc:spChg>
+      </pc:sldChg>
+      <pc:sldChg chg="modSp">
+        <pc:chgData name="Al Rodriguez" userId="b48bf10617e0a040" providerId="Windows Live" clId="Web-{B5F2BE93-F00A-49EF-A44A-74F9AECCDE5A}" dt="2022-01-20T01:35:35.042" v="63" actId="20577"/>
+        <pc:sldMkLst>
+          <pc:docMk/>
+          <pc:sldMk cId="2790595157" sldId="274"/>
+        </pc:sldMkLst>
+        <pc:spChg chg="mod">
+          <ac:chgData name="Al Rodriguez" userId="b48bf10617e0a040" providerId="Windows Live" clId="Web-{B5F2BE93-F00A-49EF-A44A-74F9AECCDE5A}" dt="2022-01-20T00:39:28.672" v="6" actId="20577"/>
+          <ac:spMkLst>
+            <pc:docMk/>
+            <pc:sldMk cId="2790595157" sldId="274"/>
+            <ac:spMk id="2" creationId="{7821F850-3259-45AB-B445-19F6DEB2F460}"/>
+          </ac:spMkLst>
+        </pc:spChg>
+        <pc:spChg chg="mod">
+          <ac:chgData name="Al Rodriguez" userId="b48bf10617e0a040" providerId="Windows Live" clId="Web-{B5F2BE93-F00A-49EF-A44A-74F9AECCDE5A}" dt="2022-01-20T01:35:35.042" v="63" actId="20577"/>
+          <ac:spMkLst>
+            <pc:docMk/>
+            <pc:sldMk cId="2790595157" sldId="274"/>
+            <ac:spMk id="3" creationId="{F090F482-D416-4362-BF85-3A4CC08D0FB6}"/>
+          </ac:spMkLst>
+        </pc:spChg>
+      </pc:sldChg>
+    </pc:docChg>
+  </pc:docChgLst>
+  <pc:docChgLst>
+    <pc:chgData name="Al Rodriguez" userId="b48bf10617e0a040" providerId="Windows Live" clId="Web-{AA4A7A1F-DF1A-4CC3-AF96-ABC186823821}"/>
+    <pc:docChg chg="addSld modSld">
+      <pc:chgData name="Al Rodriguez" userId="b48bf10617e0a040" providerId="Windows Live" clId="Web-{AA4A7A1F-DF1A-4CC3-AF96-ABC186823821}" dt="2022-01-18T01:03:34.232" v="74" actId="20577"/>
+      <pc:docMkLst>
+        <pc:docMk/>
+      </pc:docMkLst>
+      <pc:sldChg chg="addSp delSp modSp mod setBg">
+        <pc:chgData name="Al Rodriguez" userId="b48bf10617e0a040" providerId="Windows Live" clId="Web-{AA4A7A1F-DF1A-4CC3-AF96-ABC186823821}" dt="2022-01-18T00:17:47.734" v="5"/>
+        <pc:sldMkLst>
+          <pc:docMk/>
+          <pc:sldMk cId="254804805" sldId="260"/>
+        </pc:sldMkLst>
+        <pc:spChg chg="del">
+          <ac:chgData name="Al Rodriguez" userId="b48bf10617e0a040" providerId="Windows Live" clId="Web-{AA4A7A1F-DF1A-4CC3-AF96-ABC186823821}" dt="2022-01-18T00:17:34.187" v="0"/>
+          <ac:spMkLst>
+            <pc:docMk/>
+            <pc:sldMk cId="254804805" sldId="260"/>
+            <ac:spMk id="2" creationId="{D276032A-F868-4353-80E3-4BB9CCC85EA8}"/>
+          </ac:spMkLst>
+        </pc:spChg>
+        <pc:spChg chg="del">
+          <ac:chgData name="Al Rodriguez" userId="b48bf10617e0a040" providerId="Windows Live" clId="Web-{AA4A7A1F-DF1A-4CC3-AF96-ABC186823821}" dt="2022-01-18T00:17:38.687" v="1"/>
+          <ac:spMkLst>
+            <pc:docMk/>
+            <pc:sldMk cId="254804805" sldId="260"/>
+            <ac:spMk id="3" creationId="{E5D0213B-5817-4382-83C1-C60B1A5857A7}"/>
+          </ac:spMkLst>
+        </pc:spChg>
+        <pc:spChg chg="add">
+          <ac:chgData name="Al Rodriguez" userId="b48bf10617e0a040" providerId="Windows Live" clId="Web-{AA4A7A1F-DF1A-4CC3-AF96-ABC186823821}" dt="2022-01-18T00:17:47.734" v="5"/>
+          <ac:spMkLst>
+            <pc:docMk/>
+            <pc:sldMk cId="254804805" sldId="260"/>
+            <ac:spMk id="6" creationId="{32BC26D8-82FB-445E-AA49-62A77D7C1EE0}"/>
+          </ac:spMkLst>
+        </pc:spChg>
+        <pc:spChg chg="add del">
+          <ac:chgData name="Al Rodriguez" userId="b48bf10617e0a040" providerId="Windows Live" clId="Web-{AA4A7A1F-DF1A-4CC3-AF96-ABC186823821}" dt="2022-01-18T00:17:47.734" v="4"/>
+          <ac:spMkLst>
+            <pc:docMk/>
+            <pc:sldMk cId="254804805" sldId="260"/>
+            <ac:spMk id="9" creationId="{42A4FC2C-047E-45A5-965D-8E1E3BF09BC6}"/>
+          </ac:spMkLst>
+        </pc:spChg>
+        <pc:spChg chg="add">
+          <ac:chgData name="Al Rodriguez" userId="b48bf10617e0a040" providerId="Windows Live" clId="Web-{AA4A7A1F-DF1A-4CC3-AF96-ABC186823821}" dt="2022-01-18T00:17:47.734" v="5"/>
+          <ac:spMkLst>
+            <pc:docMk/>
+            <pc:sldMk cId="254804805" sldId="260"/>
+            <ac:spMk id="11" creationId="{CB44330D-EA18-4254-AA95-EB49948539B8}"/>
+          </ac:spMkLst>
+        </pc:spChg>
+        <pc:picChg chg="add mod">
+          <ac:chgData name="Al Rodriguez" userId="b48bf10617e0a040" providerId="Windows Live" clId="Web-{AA4A7A1F-DF1A-4CC3-AF96-ABC186823821}" dt="2022-01-18T00:17:47.734" v="5"/>
+          <ac:picMkLst>
+            <pc:docMk/>
+            <pc:sldMk cId="254804805" sldId="260"/>
+            <ac:picMk id="4" creationId="{82330A9F-1416-4765-842B-D4A81BBBD438}"/>
+          </ac:picMkLst>
+        </pc:picChg>
+      </pc:sldChg>
+      <pc:sldChg chg="addSp delSp modSp">
+        <pc:chgData name="Al Rodriguez" userId="b48bf10617e0a040" providerId="Windows Live" clId="Web-{AA4A7A1F-DF1A-4CC3-AF96-ABC186823821}" dt="2022-01-18T00:21:41.554" v="41" actId="20577"/>
+        <pc:sldMkLst>
+          <pc:docMk/>
+          <pc:sldMk cId="514325161" sldId="261"/>
+        </pc:sldMkLst>
+        <pc:spChg chg="mod">
+          <ac:chgData name="Al Rodriguez" userId="b48bf10617e0a040" providerId="Windows Live" clId="Web-{AA4A7A1F-DF1A-4CC3-AF96-ABC186823821}" dt="2022-01-18T00:20:29.784" v="7" actId="20577"/>
+          <ac:spMkLst>
+            <pc:docMk/>
+            <pc:sldMk cId="514325161" sldId="261"/>
+            <ac:spMk id="2" creationId="{78F2DCB5-8036-42C1-82B0-D42C7105C5B6}"/>
+          </ac:spMkLst>
+        </pc:spChg>
+        <pc:spChg chg="add del mod">
+          <ac:chgData name="Al Rodriguez" userId="b48bf10617e0a040" providerId="Windows Live" clId="Web-{AA4A7A1F-DF1A-4CC3-AF96-ABC186823821}" dt="2022-01-18T00:21:41.554" v="41" actId="20577"/>
+          <ac:spMkLst>
+            <pc:docMk/>
+            <pc:sldMk cId="514325161" sldId="261"/>
+            <ac:spMk id="3" creationId="{3780CABC-6299-43F0-A381-7F7184A6C189}"/>
+          </ac:spMkLst>
+        </pc:spChg>
+        <pc:graphicFrameChg chg="add del mod ord modGraphic">
+          <ac:chgData name="Al Rodriguez" userId="b48bf10617e0a040" providerId="Windows Live" clId="Web-{AA4A7A1F-DF1A-4CC3-AF96-ABC186823821}" dt="2022-01-18T00:20:32.769" v="9"/>
+          <ac:graphicFrameMkLst>
+            <pc:docMk/>
+            <pc:sldMk cId="514325161" sldId="261"/>
+            <ac:graphicFrameMk id="4" creationId="{B77C75AD-E35F-4230-84F7-981B99389C30}"/>
+          </ac:graphicFrameMkLst>
+        </pc:graphicFrameChg>
+      </pc:sldChg>
+      <pc:sldChg chg="modSp new">
+        <pc:chgData name="Al Rodriguez" userId="b48bf10617e0a040" providerId="Windows Live" clId="Web-{AA4A7A1F-DF1A-4CC3-AF96-ABC186823821}" dt="2022-01-18T01:03:34.232" v="74" actId="20577"/>
+        <pc:sldMkLst>
+          <pc:docMk/>
+          <pc:sldMk cId="3980713397" sldId="267"/>
+        </pc:sldMkLst>
+        <pc:spChg chg="mod">
+          <ac:chgData name="Al Rodriguez" userId="b48bf10617e0a040" providerId="Windows Live" clId="Web-{AA4A7A1F-DF1A-4CC3-AF96-ABC186823821}" dt="2022-01-18T00:49:38.657" v="47" actId="20577"/>
+          <ac:spMkLst>
+            <pc:docMk/>
+            <pc:sldMk cId="3980713397" sldId="267"/>
+            <ac:spMk id="2" creationId="{E6888E06-EB55-475B-9F52-76795DD26A17}"/>
+          </ac:spMkLst>
+        </pc:spChg>
+        <pc:spChg chg="mod">
+          <ac:chgData name="Al Rodriguez" userId="b48bf10617e0a040" providerId="Windows Live" clId="Web-{AA4A7A1F-DF1A-4CC3-AF96-ABC186823821}" dt="2022-01-18T01:03:34.232" v="74" actId="20577"/>
+          <ac:spMkLst>
+            <pc:docMk/>
+            <pc:sldMk cId="3980713397" sldId="267"/>
+            <ac:spMk id="3" creationId="{6D2189B7-5EF6-4613-9A2E-72096DEBB230}"/>
+          </ac:spMkLst>
+        </pc:spChg>
+      </pc:sldChg>
+    </pc:docChg>
+  </pc:docChgLst>
+  <pc:docChgLst>
+    <pc:chgData name="Al Rodriguez" userId="b48bf10617e0a040" providerId="Windows Live" clId="Web-{78A0B006-24E5-4E10-B65F-F7182DA9772E}"/>
+    <pc:docChg chg="addSld modSld">
+      <pc:chgData name="Al Rodriguez" userId="b48bf10617e0a040" providerId="Windows Live" clId="Web-{78A0B006-24E5-4E10-B65F-F7182DA9772E}" dt="2022-01-23T23:13:09.314" v="18" actId="20577"/>
+      <pc:docMkLst>
+        <pc:docMk/>
+      </pc:docMkLst>
+      <pc:sldChg chg="modSp new">
+        <pc:chgData name="Al Rodriguez" userId="b48bf10617e0a040" providerId="Windows Live" clId="Web-{78A0B006-24E5-4E10-B65F-F7182DA9772E}" dt="2022-01-23T23:13:09.314" v="18" actId="20577"/>
+        <pc:sldMkLst>
+          <pc:docMk/>
+          <pc:sldMk cId="42973494" sldId="280"/>
+        </pc:sldMkLst>
+        <pc:spChg chg="mod">
+          <ac:chgData name="Al Rodriguez" userId="b48bf10617e0a040" providerId="Windows Live" clId="Web-{78A0B006-24E5-4E10-B65F-F7182DA9772E}" dt="2022-01-23T23:13:09.314" v="18" actId="20577"/>
+          <ac:spMkLst>
+            <pc:docMk/>
+            <pc:sldMk cId="42973494" sldId="280"/>
+            <ac:spMk id="2" creationId="{0648151A-DE9B-4B81-8D89-F49ED7BC55DA}"/>
+          </ac:spMkLst>
+        </pc:spChg>
+      </pc:sldChg>
+    </pc:docChg>
+  </pc:docChgLst>
+  <pc:docChgLst>
+    <pc:chgData name="Al Rodriguez" userId="b48bf10617e0a040" providerId="Windows Live" clId="Web-{B1C64945-2882-406B-89BF-A8AC6D5A5895}"/>
+    <pc:docChg chg="modSld">
+      <pc:chgData name="Al Rodriguez" userId="b48bf10617e0a040" providerId="Windows Live" clId="Web-{B1C64945-2882-406B-89BF-A8AC6D5A5895}" dt="2022-01-18T00:13:22.584" v="10" actId="20577"/>
+      <pc:docMkLst>
+        <pc:docMk/>
+      </pc:docMkLst>
+      <pc:sldChg chg="modSp">
+        <pc:chgData name="Al Rodriguez" userId="b48bf10617e0a040" providerId="Windows Live" clId="Web-{B1C64945-2882-406B-89BF-A8AC6D5A5895}" dt="2022-01-18T00:13:22.584" v="10" actId="20577"/>
+        <pc:sldMkLst>
+          <pc:docMk/>
+          <pc:sldMk cId="3707992756" sldId="259"/>
+        </pc:sldMkLst>
+        <pc:spChg chg="mod">
+          <ac:chgData name="Al Rodriguez" userId="b48bf10617e0a040" providerId="Windows Live" clId="Web-{B1C64945-2882-406B-89BF-A8AC6D5A5895}" dt="2022-01-18T00:13:22.584" v="10" actId="20577"/>
+          <ac:spMkLst>
+            <pc:docMk/>
+            <pc:sldMk cId="3707992756" sldId="259"/>
+            <ac:spMk id="2" creationId="{DFD000F4-BCAB-4BAC-B594-C960287B15A6}"/>
+          </ac:spMkLst>
+        </pc:spChg>
       </pc:sldChg>
     </pc:docChg>
   </pc:docChgLst>
@@ -2404,7 +2404,7 @@
           <a:p>
             <a:fld id="{846CE7D5-CF57-46EF-B807-FDD0502418D4}" type="datetimeFigureOut">
               <a:rPr lang="en-US" smtClean="0"/>
-              <a:t>2/8/2022</a:t>
+              <a:t>2/10/2022</a:t>
             </a:fld>
             <a:endParaRPr lang="en-US"/>
           </a:p>
@@ -2572,7 +2572,7 @@
           <a:p>
             <a:fld id="{846CE7D5-CF57-46EF-B807-FDD0502418D4}" type="datetimeFigureOut">
               <a:rPr lang="en-US" smtClean="0"/>
-              <a:t>2/8/2022</a:t>
+              <a:t>2/10/2022</a:t>
             </a:fld>
             <a:endParaRPr lang="en-US"/>
           </a:p>
@@ -2750,7 +2750,7 @@
           <a:p>
             <a:fld id="{846CE7D5-CF57-46EF-B807-FDD0502418D4}" type="datetimeFigureOut">
               <a:rPr lang="en-US" smtClean="0"/>
-              <a:t>2/8/2022</a:t>
+              <a:t>2/10/2022</a:t>
             </a:fld>
             <a:endParaRPr lang="en-US"/>
           </a:p>
@@ -2918,7 +2918,7 @@
           <a:p>
             <a:fld id="{846CE7D5-CF57-46EF-B807-FDD0502418D4}" type="datetimeFigureOut">
               <a:rPr lang="en-US" smtClean="0"/>
-              <a:t>2/8/2022</a:t>
+              <a:t>2/10/2022</a:t>
             </a:fld>
             <a:endParaRPr lang="en-US"/>
           </a:p>
@@ -3163,7 +3163,7 @@
           <a:p>
             <a:fld id="{846CE7D5-CF57-46EF-B807-FDD0502418D4}" type="datetimeFigureOut">
               <a:rPr lang="en-US" smtClean="0"/>
-              <a:t>2/8/2022</a:t>
+              <a:t>2/10/2022</a:t>
             </a:fld>
             <a:endParaRPr lang="en-US"/>
           </a:p>
@@ -3392,7 +3392,7 @@
           <a:p>
             <a:fld id="{846CE7D5-CF57-46EF-B807-FDD0502418D4}" type="datetimeFigureOut">
               <a:rPr lang="en-US" smtClean="0"/>
-              <a:t>2/8/2022</a:t>
+              <a:t>2/10/2022</a:t>
             </a:fld>
             <a:endParaRPr lang="en-US"/>
           </a:p>
@@ -3756,7 +3756,7 @@
           <a:p>
             <a:fld id="{846CE7D5-CF57-46EF-B807-FDD0502418D4}" type="datetimeFigureOut">
               <a:rPr lang="en-US" smtClean="0"/>
-              <a:t>2/8/2022</a:t>
+              <a:t>2/10/2022</a:t>
             </a:fld>
             <a:endParaRPr lang="en-US"/>
           </a:p>
@@ -3873,7 +3873,7 @@
           <a:p>
             <a:fld id="{846CE7D5-CF57-46EF-B807-FDD0502418D4}" type="datetimeFigureOut">
               <a:rPr lang="en-US" smtClean="0"/>
-              <a:t>2/8/2022</a:t>
+              <a:t>2/10/2022</a:t>
             </a:fld>
             <a:endParaRPr lang="en-US"/>
           </a:p>
@@ -3968,7 +3968,7 @@
           <a:p>
             <a:fld id="{846CE7D5-CF57-46EF-B807-FDD0502418D4}" type="datetimeFigureOut">
               <a:rPr lang="en-US" smtClean="0"/>
-              <a:t>2/8/2022</a:t>
+              <a:t>2/10/2022</a:t>
             </a:fld>
             <a:endParaRPr lang="en-US"/>
           </a:p>
@@ -4243,7 +4243,7 @@
           <a:p>
             <a:fld id="{846CE7D5-CF57-46EF-B807-FDD0502418D4}" type="datetimeFigureOut">
               <a:rPr lang="en-US" smtClean="0"/>
-              <a:t>2/8/2022</a:t>
+              <a:t>2/10/2022</a:t>
             </a:fld>
             <a:endParaRPr lang="en-US"/>
           </a:p>
@@ -4498,7 +4498,7 @@
           <a:p>
             <a:fld id="{846CE7D5-CF57-46EF-B807-FDD0502418D4}" type="datetimeFigureOut">
               <a:rPr lang="en-US" smtClean="0"/>
-              <a:t>2/8/2022</a:t>
+              <a:t>2/10/2022</a:t>
             </a:fld>
             <a:endParaRPr lang="en-US"/>
           </a:p>
@@ -4709,7 +4709,7 @@
           <a:p>
             <a:fld id="{846CE7D5-CF57-46EF-B807-FDD0502418D4}" type="datetimeFigureOut">
               <a:rPr lang="en-US" smtClean="0"/>
-              <a:t>2/8/2022</a:t>
+              <a:t>2/10/2022</a:t>
             </a:fld>
             <a:endParaRPr lang="en-US"/>
           </a:p>
@@ -9820,7 +9820,7 @@
         <p:spPr>
           <a:xfrm>
             <a:off x="1424904" y="2494450"/>
-            <a:ext cx="4053545" cy="3563159"/>
+            <a:ext cx="4162080" cy="3563159"/>
           </a:xfrm>
         </p:spPr>
         <p:txBody>
@@ -9830,7 +9830,7 @@
           <a:lstStyle/>
           <a:p>
             <a:r>
-              <a:rPr lang="en-US" sz="2400"/>
+              <a:rPr lang="en-US" sz="2400" dirty="0"/>
               <a:t>ProgrammerAL</a:t>
             </a:r>
           </a:p>
@@ -9841,16 +9841,17 @@
               <a:t>Twitter, LinkedIn, personal website, </a:t>
             </a:r>
             <a:r>
-              <a:rPr lang="en-US"/>
+              <a:rPr lang="en-US" dirty="0" err="1"/>
               <a:t>etc</a:t>
             </a:r>
             <a:endParaRPr lang="en-US" dirty="0"/>
           </a:p>
           <a:p>
             <a:r>
-              <a:rPr lang="en-US" sz="2400"/>
+              <a:rPr lang="en-US" sz="2400" dirty="0" err="1"/>
               <a:t>Misc</a:t>
             </a:r>
+            <a:endParaRPr lang="en-US" sz="2400" dirty="0"/>
           </a:p>
           <a:p>
             <a:pPr lvl="1"/>
@@ -9858,7 +9859,7 @@
               <a:rPr lang="en-US" dirty="0">
                 <a:cs typeface="Calibri"/>
               </a:rPr>
-              <a:t>Speaker</a:t>
+              <a:t>Programmer</a:t>
             </a:r>
             <a:endParaRPr lang="en-US" dirty="0"/>
           </a:p>
@@ -9868,9 +9869,16 @@
               <a:rPr lang="en-US" dirty="0">
                 <a:cs typeface="Calibri"/>
               </a:rPr>
-              <a:t>Programmer</a:t>
+              <a:t>Podcaster</a:t>
             </a:r>
             <a:endParaRPr lang="en-US" dirty="0"/>
+          </a:p>
+          <a:p>
+            <a:pPr lvl="1"/>
+            <a:r>
+              <a:rPr lang="en-US" dirty="0"/>
+              <a:t>Orlando IoT</a:t>
+            </a:r>
           </a:p>
           <a:p>
             <a:pPr lvl="1"/>
@@ -9878,15 +9886,13 @@
               <a:rPr lang="en-US" dirty="0">
                 <a:cs typeface="Calibri"/>
               </a:rPr>
-              <a:t>Podcaster</a:t>
-            </a:r>
-            <a:endParaRPr lang="en-US" dirty="0"/>
-          </a:p>
-          <a:p>
-            <a:pPr lvl="1"/>
-            <a:r>
-              <a:rPr lang="en-US" dirty="0"/>
-              <a:t>Knows 1 card trick</a:t>
+              <a:t>NOT affiliated with </a:t>
+            </a:r>
+            <a:r>
+              <a:rPr lang="en-US" dirty="0" err="1">
+                <a:cs typeface="Calibri"/>
+              </a:rPr>
+              <a:t>Pulumi</a:t>
             </a:r>
             <a:endParaRPr lang="en-US" dirty="0">
               <a:cs typeface="Calibri"/>
